--- a/2020/12月/10-12-2020.pptx
+++ b/2020/12月/10-12-2020.pptx
@@ -9,14 +9,21 @@
     <p:sldId id="262" r:id="rId3"/>
     <p:sldId id="263" r:id="rId4"/>
     <p:sldId id="264" r:id="rId5"/>
-    <p:sldId id="257" r:id="rId6"/>
-    <p:sldId id="258" r:id="rId7"/>
-    <p:sldId id="266" r:id="rId8"/>
-    <p:sldId id="259" r:id="rId9"/>
-    <p:sldId id="260" r:id="rId10"/>
-    <p:sldId id="268" r:id="rId11"/>
-    <p:sldId id="269" r:id="rId12"/>
-    <p:sldId id="270" r:id="rId13"/>
+    <p:sldId id="271" r:id="rId6"/>
+    <p:sldId id="272" r:id="rId7"/>
+    <p:sldId id="273" r:id="rId8"/>
+    <p:sldId id="274" r:id="rId9"/>
+    <p:sldId id="275" r:id="rId10"/>
+    <p:sldId id="276" r:id="rId11"/>
+    <p:sldId id="277" r:id="rId12"/>
+    <p:sldId id="257" r:id="rId13"/>
+    <p:sldId id="258" r:id="rId14"/>
+    <p:sldId id="266" r:id="rId15"/>
+    <p:sldId id="259" r:id="rId16"/>
+    <p:sldId id="260" r:id="rId17"/>
+    <p:sldId id="268" r:id="rId18"/>
+    <p:sldId id="269" r:id="rId19"/>
+    <p:sldId id="270" r:id="rId20"/>
   </p:sldIdLst>
   <p:sldSz cx="9144000" cy="5143500" type="screen16x9"/>
   <p:notesSz cx="6858000" cy="9144000"/>
@@ -115,6 +122,22 @@
       </a:defRPr>
     </a:lvl9pPr>
   </p:defaultTextStyle>
+  <p:extLst>
+    <p:ext uri="{EFAFB233-063F-42B5-8137-9DF3F51BA10A}">
+      <p15:sldGuideLst xmlns:p15="http://schemas.microsoft.com/office/powerpoint/2012/main">
+        <p15:guide id="1" orient="horz" pos="1620">
+          <p15:clr>
+            <a:srgbClr val="A4A3A4"/>
+          </p15:clr>
+        </p15:guide>
+        <p15:guide id="2" pos="2880">
+          <p15:clr>
+            <a:srgbClr val="A4A3A4"/>
+          </p15:clr>
+        </p15:guide>
+      </p15:sldGuideLst>
+    </p:ext>
+  </p:extLst>
 </p:presentation>
 </file>
 
@@ -299,7 +322,7 @@
           <a:p>
             <a:fld id="{31C1ACC9-7324-45C6-B076-01B2058FAA54}" type="datetimeFigureOut">
               <a:rPr lang="zh-TW" altLang="en-US" smtClean="0"/>
-              <a:t>2020/11/26</a:t>
+              <a:t>2020/11/28</a:t>
             </a:fld>
             <a:endParaRPr lang="zh-TW" altLang="en-US"/>
           </a:p>
@@ -464,7 +487,7 @@
           <a:p>
             <a:fld id="{31C1ACC9-7324-45C6-B076-01B2058FAA54}" type="datetimeFigureOut">
               <a:rPr lang="zh-TW" altLang="en-US" smtClean="0"/>
-              <a:t>2020/11/26</a:t>
+              <a:t>2020/11/28</a:t>
             </a:fld>
             <a:endParaRPr lang="zh-TW" altLang="en-US"/>
           </a:p>
@@ -639,7 +662,7 @@
           <a:p>
             <a:fld id="{31C1ACC9-7324-45C6-B076-01B2058FAA54}" type="datetimeFigureOut">
               <a:rPr lang="zh-TW" altLang="en-US" smtClean="0"/>
-              <a:t>2020/11/26</a:t>
+              <a:t>2020/11/28</a:t>
             </a:fld>
             <a:endParaRPr lang="zh-TW" altLang="en-US"/>
           </a:p>
@@ -804,7 +827,7 @@
           <a:p>
             <a:fld id="{31C1ACC9-7324-45C6-B076-01B2058FAA54}" type="datetimeFigureOut">
               <a:rPr lang="zh-TW" altLang="en-US" smtClean="0"/>
-              <a:t>2020/11/26</a:t>
+              <a:t>2020/11/28</a:t>
             </a:fld>
             <a:endParaRPr lang="zh-TW" altLang="en-US"/>
           </a:p>
@@ -1045,7 +1068,7 @@
           <a:p>
             <a:fld id="{31C1ACC9-7324-45C6-B076-01B2058FAA54}" type="datetimeFigureOut">
               <a:rPr lang="zh-TW" altLang="en-US" smtClean="0"/>
-              <a:t>2020/11/26</a:t>
+              <a:t>2020/11/28</a:t>
             </a:fld>
             <a:endParaRPr lang="zh-TW" altLang="en-US"/>
           </a:p>
@@ -1328,7 +1351,7 @@
           <a:p>
             <a:fld id="{31C1ACC9-7324-45C6-B076-01B2058FAA54}" type="datetimeFigureOut">
               <a:rPr lang="zh-TW" altLang="en-US" smtClean="0"/>
-              <a:t>2020/11/26</a:t>
+              <a:t>2020/11/28</a:t>
             </a:fld>
             <a:endParaRPr lang="zh-TW" altLang="en-US"/>
           </a:p>
@@ -1745,7 +1768,7 @@
           <a:p>
             <a:fld id="{31C1ACC9-7324-45C6-B076-01B2058FAA54}" type="datetimeFigureOut">
               <a:rPr lang="zh-TW" altLang="en-US" smtClean="0"/>
-              <a:t>2020/11/26</a:t>
+              <a:t>2020/11/28</a:t>
             </a:fld>
             <a:endParaRPr lang="zh-TW" altLang="en-US"/>
           </a:p>
@@ -1858,7 +1881,7 @@
           <a:p>
             <a:fld id="{31C1ACC9-7324-45C6-B076-01B2058FAA54}" type="datetimeFigureOut">
               <a:rPr lang="zh-TW" altLang="en-US" smtClean="0"/>
-              <a:t>2020/11/26</a:t>
+              <a:t>2020/11/28</a:t>
             </a:fld>
             <a:endParaRPr lang="zh-TW" altLang="en-US"/>
           </a:p>
@@ -1948,7 +1971,7 @@
           <a:p>
             <a:fld id="{31C1ACC9-7324-45C6-B076-01B2058FAA54}" type="datetimeFigureOut">
               <a:rPr lang="zh-TW" altLang="en-US" smtClean="0"/>
-              <a:t>2020/11/26</a:t>
+              <a:t>2020/11/28</a:t>
             </a:fld>
             <a:endParaRPr lang="zh-TW" altLang="en-US"/>
           </a:p>
@@ -2220,7 +2243,7 @@
           <a:p>
             <a:fld id="{31C1ACC9-7324-45C6-B076-01B2058FAA54}" type="datetimeFigureOut">
               <a:rPr lang="zh-TW" altLang="en-US" smtClean="0"/>
-              <a:t>2020/11/26</a:t>
+              <a:t>2020/11/28</a:t>
             </a:fld>
             <a:endParaRPr lang="zh-TW" altLang="en-US"/>
           </a:p>
@@ -2472,7 +2495,7 @@
           <a:p>
             <a:fld id="{31C1ACC9-7324-45C6-B076-01B2058FAA54}" type="datetimeFigureOut">
               <a:rPr lang="zh-TW" altLang="en-US" smtClean="0"/>
-              <a:t>2020/11/26</a:t>
+              <a:t>2020/11/28</a:t>
             </a:fld>
             <a:endParaRPr lang="zh-TW" altLang="en-US"/>
           </a:p>
@@ -2685,7 +2708,7 @@
           <a:p>
             <a:fld id="{31C1ACC9-7324-45C6-B076-01B2058FAA54}" type="datetimeFigureOut">
               <a:rPr lang="zh-TW" altLang="en-US" smtClean="0"/>
-              <a:t>2020/11/26</a:t>
+              <a:t>2020/11/28</a:t>
             </a:fld>
             <a:endParaRPr lang="zh-TW" altLang="en-US"/>
           </a:p>
@@ -3331,54 +3354,104 @@
           <a:lstStyle/>
           <a:p>
             <a:r>
-              <a:rPr lang="zh-TW" altLang="en-US" sz="4000" b="1" dirty="0" smtClean="0">
-                <a:latin typeface="微軟正黑體" pitchFamily="34" charset="-120"/>
-                <a:ea typeface="微軟正黑體" pitchFamily="34" charset="-120"/>
-              </a:rPr>
-              <a:t>平安</a:t>
-            </a:r>
-            <a:endParaRPr lang="zh-TW" altLang="en-US" sz="4000" b="1" dirty="0">
+              <a:rPr lang="zh-TW" altLang="en-US" sz="3600" b="1" dirty="0">
+                <a:solidFill>
+                  <a:srgbClr val="002060"/>
+                </a:solidFill>
+                <a:latin typeface="微軟正黑體" pitchFamily="34" charset="-120"/>
+                <a:ea typeface="微軟正黑體" pitchFamily="34" charset="-120"/>
+              </a:rPr>
+              <a:t>信心的等待</a:t>
+            </a:r>
+          </a:p>
+        </p:txBody>
+      </p:sp>
+      <p:sp>
+        <p:nvSpPr>
+          <p:cNvPr id="3" name="內容版面配置區 2"/>
+          <p:cNvSpPr>
+            <a:spLocks noGrp="1"/>
+          </p:cNvSpPr>
+          <p:nvPr>
+            <p:ph idx="1"/>
+          </p:nvPr>
+        </p:nvSpPr>
+        <p:spPr/>
+        <p:txBody>
+          <a:bodyPr>
+            <a:noAutofit/>
+          </a:bodyPr>
+          <a:lstStyle/>
+          <a:p>
+            <a:pPr algn="ctr">
+              <a:buNone/>
+            </a:pPr>
+            <a:r>
+              <a:rPr lang="zh-TW" altLang="en-US" sz="4400" b="1" dirty="0">
+                <a:solidFill>
+                  <a:srgbClr val="002060"/>
+                </a:solidFill>
+                <a:latin typeface="微軟正黑體" pitchFamily="34" charset="-120"/>
+                <a:ea typeface="微軟正黑體" pitchFamily="34" charset="-120"/>
+              </a:rPr>
+              <a:t>耶穌捉緊我雙手</a:t>
+            </a:r>
+            <a:endParaRPr lang="en-US" altLang="zh-TW" sz="4400" b="1" dirty="0">
+              <a:solidFill>
+                <a:srgbClr val="002060"/>
+              </a:solidFill>
               <a:latin typeface="微軟正黑體" pitchFamily="34" charset="-120"/>
               <a:ea typeface="微軟正黑體" pitchFamily="34" charset="-120"/>
             </a:endParaRPr>
           </a:p>
-        </p:txBody>
-      </p:sp>
-      <p:sp>
-        <p:nvSpPr>
-          <p:cNvPr id="3" name="內容版面配置區 2"/>
-          <p:cNvSpPr>
-            <a:spLocks noGrp="1"/>
-          </p:cNvSpPr>
-          <p:nvPr>
-            <p:ph idx="1"/>
-          </p:nvPr>
-        </p:nvSpPr>
-        <p:spPr/>
-        <p:txBody>
-          <a:bodyPr>
-            <a:normAutofit/>
-          </a:bodyPr>
-          <a:lstStyle/>
           <a:p>
             <a:pPr algn="ctr">
               <a:buNone/>
             </a:pPr>
             <a:r>
               <a:rPr lang="zh-TW" altLang="en-US" sz="4400" b="1" dirty="0" smtClean="0">
-                <a:latin typeface="微軟正黑體" pitchFamily="34" charset="-120"/>
-                <a:ea typeface="微軟正黑體" pitchFamily="34" charset="-120"/>
-              </a:rPr>
-              <a:t>主 祢賜下</a:t>
+                <a:solidFill>
+                  <a:srgbClr val="002060"/>
+                </a:solidFill>
+                <a:latin typeface="微軟正黑體" pitchFamily="34" charset="-120"/>
+                <a:ea typeface="微軟正黑體" pitchFamily="34" charset="-120"/>
+              </a:rPr>
+              <a:t>有</a:t>
+            </a:r>
+            <a:r>
+              <a:rPr lang="zh-CN" altLang="en-US" sz="4400" b="1" dirty="0" smtClean="0">
+                <a:solidFill>
+                  <a:srgbClr val="002060"/>
+                </a:solidFill>
+                <a:latin typeface="微軟正黑體" pitchFamily="34" charset="-120"/>
+                <a:ea typeface="微軟正黑體" pitchFamily="34" charset="-120"/>
+              </a:rPr>
+              <a:t>袮</a:t>
             </a:r>
             <a:r>
               <a:rPr lang="zh-TW" altLang="en-US" sz="4400" b="1" dirty="0" smtClean="0">
-                <a:latin typeface="微軟正黑體" pitchFamily="34" charset="-120"/>
-                <a:ea typeface="微軟正黑體" pitchFamily="34" charset="-120"/>
-              </a:rPr>
-              <a:t>這平安</a:t>
-            </a:r>
-            <a:endParaRPr lang="en-US" altLang="zh-TW" sz="4400" b="1" dirty="0" smtClean="0">
+                <a:solidFill>
+                  <a:srgbClr val="002060"/>
+                </a:solidFill>
+                <a:latin typeface="微軟正黑體" pitchFamily="34" charset="-120"/>
+                <a:ea typeface="微軟正黑體" pitchFamily="34" charset="-120"/>
+              </a:rPr>
+              <a:t>的</a:t>
+            </a:r>
+            <a:r>
+              <a:rPr lang="zh-TW" altLang="en-US" sz="4400" b="1" dirty="0">
+                <a:solidFill>
+                  <a:srgbClr val="002060"/>
+                </a:solidFill>
+                <a:latin typeface="微軟正黑體" pitchFamily="34" charset="-120"/>
+                <a:ea typeface="微軟正黑體" pitchFamily="34" charset="-120"/>
+              </a:rPr>
+              <a:t>恩典我便足夠</a:t>
+            </a:r>
+            <a:endParaRPr lang="en-US" altLang="zh-TW" sz="4400" b="1" dirty="0">
+              <a:solidFill>
+                <a:srgbClr val="002060"/>
+              </a:solidFill>
               <a:latin typeface="微軟正黑體" pitchFamily="34" charset="-120"/>
               <a:ea typeface="微軟正黑體" pitchFamily="34" charset="-120"/>
             </a:endParaRPr>
@@ -3388,27 +3461,49 @@
               <a:buNone/>
             </a:pPr>
             <a:r>
+              <a:rPr lang="zh-TW" altLang="en-US" sz="4400" b="1" dirty="0">
+                <a:solidFill>
+                  <a:srgbClr val="002060"/>
+                </a:solidFill>
+                <a:latin typeface="微軟正黑體" pitchFamily="34" charset="-120"/>
+                <a:ea typeface="微軟正黑體" pitchFamily="34" charset="-120"/>
+              </a:rPr>
+              <a:t>讓我可清心</a:t>
+            </a:r>
+            <a:r>
               <a:rPr lang="zh-TW" altLang="en-US" sz="4400" b="1" dirty="0" smtClean="0">
-                <a:latin typeface="微軟正黑體" pitchFamily="34" charset="-120"/>
-                <a:ea typeface="微軟正黑體" pitchFamily="34" charset="-120"/>
-              </a:rPr>
-              <a:t>是用重價換來</a:t>
+                <a:solidFill>
+                  <a:srgbClr val="002060"/>
+                </a:solidFill>
+                <a:latin typeface="微軟正黑體" pitchFamily="34" charset="-120"/>
+                <a:ea typeface="微軟正黑體" pitchFamily="34" charset="-120"/>
+              </a:rPr>
+              <a:t>見</a:t>
+            </a:r>
+            <a:r>
+              <a:rPr lang="zh-CN" altLang="en-US" sz="4400" b="1" dirty="0" smtClean="0">
+                <a:solidFill>
+                  <a:srgbClr val="002060"/>
+                </a:solidFill>
+                <a:latin typeface="微軟正黑體" pitchFamily="34" charset="-120"/>
+                <a:ea typeface="微軟正黑體" pitchFamily="34" charset="-120"/>
+              </a:rPr>
+              <a:t>袮</a:t>
             </a:r>
             <a:r>
               <a:rPr lang="zh-TW" altLang="en-US" sz="4400" b="1" dirty="0" smtClean="0">
-                <a:latin typeface="微軟正黑體" pitchFamily="34" charset="-120"/>
-                <a:ea typeface="微軟正黑體" pitchFamily="34" charset="-120"/>
-              </a:rPr>
-              <a:t>的</a:t>
-            </a:r>
-            <a:r>
-              <a:rPr lang="zh-CN" altLang="en-US" sz="4400" b="1" dirty="0" smtClean="0">
-                <a:latin typeface="微軟正黑體" pitchFamily="34" charset="-120"/>
-                <a:ea typeface="微軟正黑體" pitchFamily="34" charset="-120"/>
-              </a:rPr>
-              <a:t>恩典</a:t>
-            </a:r>
-            <a:endParaRPr lang="en-US" altLang="zh-TW" sz="4400" b="1" dirty="0" smtClean="0">
+                <a:solidFill>
+                  <a:srgbClr val="002060"/>
+                </a:solidFill>
+                <a:latin typeface="微軟正黑體" pitchFamily="34" charset="-120"/>
+                <a:ea typeface="微軟正黑體" pitchFamily="34" charset="-120"/>
+              </a:rPr>
+              <a:t>面</a:t>
+            </a:r>
+            <a:endParaRPr lang="en-US" altLang="zh-TW" sz="4400" b="1" dirty="0">
+              <a:solidFill>
+                <a:srgbClr val="002060"/>
+              </a:solidFill>
               <a:latin typeface="微軟正黑體" pitchFamily="34" charset="-120"/>
               <a:ea typeface="微軟正黑體" pitchFamily="34" charset="-120"/>
             </a:endParaRPr>
@@ -3418,63 +3513,24 @@
               <a:buNone/>
             </a:pPr>
             <a:r>
-              <a:rPr lang="zh-TW" altLang="en-US" sz="4400" b="1" dirty="0" smtClean="0">
-                <a:latin typeface="微軟正黑體" pitchFamily="34" charset="-120"/>
-                <a:ea typeface="微軟正黑體" pitchFamily="34" charset="-120"/>
-              </a:rPr>
-              <a:t>受鞭傷使我得醫治</a:t>
-            </a:r>
-            <a:endParaRPr lang="en-US" altLang="zh-TW" sz="4400" b="1" dirty="0" smtClean="0">
-              <a:latin typeface="微軟正黑體" pitchFamily="34" charset="-120"/>
-              <a:ea typeface="微軟正黑體" pitchFamily="34" charset="-120"/>
-            </a:endParaRPr>
-          </a:p>
-          <a:p>
-            <a:pPr algn="ctr">
-              <a:buNone/>
-            </a:pPr>
-            <a:r>
-              <a:rPr lang="zh-TW" altLang="en-US" sz="4400" b="1" dirty="0" smtClean="0">
-                <a:latin typeface="微軟正黑體" pitchFamily="34" charset="-120"/>
-                <a:ea typeface="微軟正黑體" pitchFamily="34" charset="-120"/>
-              </a:rPr>
-              <a:t>受刑罰讓我得到赦免</a:t>
-            </a:r>
-          </a:p>
-        </p:txBody>
-      </p:sp>
-      <p:sp>
-        <p:nvSpPr>
-          <p:cNvPr id="4" name="文字方塊 3"/>
-          <p:cNvSpPr txBox="1"/>
-          <p:nvPr/>
-        </p:nvSpPr>
-        <p:spPr>
-          <a:xfrm>
-            <a:off x="0" y="4500576"/>
-            <a:ext cx="9144000" cy="400110"/>
-          </a:xfrm>
-          <a:prstGeom prst="rect">
-            <a:avLst/>
-          </a:prstGeom>
-          <a:noFill/>
-        </p:spPr>
-        <p:txBody>
-          <a:bodyPr wrap="square" rtlCol="0">
-            <a:spAutoFit/>
-          </a:bodyPr>
-          <a:lstStyle/>
-          <a:p>
-            <a:pPr algn="ctr"/>
-            <a:r>
-              <a:rPr lang="en-US" altLang="zh-TW" sz="2000" b="1" dirty="0" smtClean="0"/>
-              <a:t>( Chorus 2 )</a:t>
-            </a:r>
-            <a:endParaRPr lang="zh-TW" altLang="en-US" sz="2000" b="1" dirty="0"/>
+              <a:rPr lang="zh-TW" altLang="en-US" sz="4400" b="1" dirty="0">
+                <a:solidFill>
+                  <a:srgbClr val="002060"/>
+                </a:solidFill>
+                <a:latin typeface="微軟正黑體" pitchFamily="34" charset="-120"/>
+                <a:ea typeface="微軟正黑體" pitchFamily="34" charset="-120"/>
+              </a:rPr>
+              <a:t>使我必得見光</a:t>
+            </a:r>
           </a:p>
         </p:txBody>
       </p:sp>
     </p:spTree>
+    <p:extLst>
+      <p:ext uri="{BB962C8B-B14F-4D97-AF65-F5344CB8AC3E}">
+        <p14:creationId xmlns:p14="http://schemas.microsoft.com/office/powerpoint/2010/main" val="3110624509"/>
+      </p:ext>
+    </p:extLst>
   </p:cSld>
   <p:clrMapOvr>
     <a:masterClrMapping/>
@@ -3517,47 +3573,74 @@
           <a:lstStyle/>
           <a:p>
             <a:r>
-              <a:rPr lang="zh-TW" altLang="en-US" sz="4000" b="1" dirty="0" smtClean="0">
-                <a:latin typeface="微軟正黑體" pitchFamily="34" charset="-120"/>
-                <a:ea typeface="微軟正黑體" pitchFamily="34" charset="-120"/>
-              </a:rPr>
-              <a:t>平安</a:t>
-            </a:r>
-            <a:endParaRPr lang="zh-TW" altLang="en-US" sz="4000" b="1" dirty="0">
+              <a:rPr lang="zh-TW" altLang="en-US" sz="3600" b="1" dirty="0">
+                <a:solidFill>
+                  <a:srgbClr val="002060"/>
+                </a:solidFill>
+                <a:latin typeface="微軟正黑體" pitchFamily="34" charset="-120"/>
+                <a:ea typeface="微軟正黑體" pitchFamily="34" charset="-120"/>
+              </a:rPr>
+              <a:t>信心的等待</a:t>
+            </a:r>
+          </a:p>
+        </p:txBody>
+      </p:sp>
+      <p:sp>
+        <p:nvSpPr>
+          <p:cNvPr id="3" name="內容版面配置區 2"/>
+          <p:cNvSpPr>
+            <a:spLocks noGrp="1"/>
+          </p:cNvSpPr>
+          <p:nvPr>
+            <p:ph idx="1"/>
+          </p:nvPr>
+        </p:nvSpPr>
+        <p:spPr/>
+        <p:txBody>
+          <a:bodyPr>
+            <a:noAutofit/>
+          </a:bodyPr>
+          <a:lstStyle/>
+          <a:p>
+            <a:pPr algn="ctr">
+              <a:buNone/>
+            </a:pPr>
+            <a:r>
+              <a:rPr lang="zh-TW" altLang="en-US" sz="4400" b="1" dirty="0">
+                <a:solidFill>
+                  <a:srgbClr val="002060"/>
+                </a:solidFill>
+                <a:latin typeface="微軟正黑體" pitchFamily="34" charset="-120"/>
+                <a:ea typeface="微軟正黑體" pitchFamily="34" charset="-120"/>
+              </a:rPr>
+              <a:t>耶穌捉緊我雙手</a:t>
+            </a:r>
+            <a:endParaRPr lang="en-US" altLang="zh-TW" sz="4400" b="1" dirty="0">
+              <a:solidFill>
+                <a:srgbClr val="002060"/>
+              </a:solidFill>
               <a:latin typeface="微軟正黑體" pitchFamily="34" charset="-120"/>
               <a:ea typeface="微軟正黑體" pitchFamily="34" charset="-120"/>
             </a:endParaRPr>
           </a:p>
-        </p:txBody>
-      </p:sp>
-      <p:sp>
-        <p:nvSpPr>
-          <p:cNvPr id="3" name="內容版面配置區 2"/>
-          <p:cNvSpPr>
-            <a:spLocks noGrp="1"/>
-          </p:cNvSpPr>
-          <p:nvPr>
-            <p:ph idx="1"/>
-          </p:nvPr>
-        </p:nvSpPr>
-        <p:spPr/>
-        <p:txBody>
-          <a:bodyPr>
-            <a:normAutofit/>
-          </a:bodyPr>
-          <a:lstStyle/>
-          <a:p>
-            <a:pPr algn="ctr">
-              <a:buNone/>
-            </a:pPr>
-            <a:r>
-              <a:rPr lang="zh-TW" altLang="en-US" sz="4400" b="1" dirty="0" smtClean="0">
-                <a:latin typeface="微軟正黑體" pitchFamily="34" charset="-120"/>
-                <a:ea typeface="微軟正黑體" pitchFamily="34" charset="-120"/>
-              </a:rPr>
-              <a:t>主  祢賜下平安</a:t>
-            </a:r>
-            <a:endParaRPr lang="en-US" altLang="zh-TW" sz="4400" b="1" dirty="0" smtClean="0">
+          <a:p>
+            <a:pPr algn="ctr">
+              <a:buNone/>
+            </a:pPr>
+            <a:r>
+              <a:rPr lang="zh-TW" altLang="en-US" sz="4400" b="1" dirty="0">
+                <a:solidFill>
+                  <a:srgbClr val="002060"/>
+                </a:solidFill>
+                <a:latin typeface="微軟正黑體" pitchFamily="34" charset="-120"/>
+                <a:ea typeface="微軟正黑體" pitchFamily="34" charset="-120"/>
+              </a:rPr>
+              <a:t>仰望那財寶在天上</a:t>
+            </a:r>
+            <a:endParaRPr lang="en-US" altLang="zh-TW" sz="4400" b="1" dirty="0">
+              <a:solidFill>
+                <a:srgbClr val="002060"/>
+              </a:solidFill>
               <a:latin typeface="微軟正黑體" pitchFamily="34" charset="-120"/>
               <a:ea typeface="微軟正黑體" pitchFamily="34" charset="-120"/>
             </a:endParaRPr>
@@ -3567,13 +3650,19 @@
               <a:buNone/>
             </a:pPr>
             <a:r>
-              <a:rPr lang="zh-TW" altLang="en-US" sz="4400" b="1" dirty="0" smtClean="0">
-                <a:latin typeface="微軟正黑體" pitchFamily="34" charset="-120"/>
-                <a:ea typeface="微軟正黑體" pitchFamily="34" charset="-120"/>
-              </a:rPr>
-              <a:t>不像世人所賜</a:t>
-            </a:r>
-            <a:endParaRPr lang="en-US" altLang="zh-TW" sz="4400" b="1" dirty="0" smtClean="0">
+              <a:rPr lang="zh-TW" altLang="en-US" sz="4400" b="1" dirty="0">
+                <a:solidFill>
+                  <a:srgbClr val="002060"/>
+                </a:solidFill>
+                <a:latin typeface="微軟正黑體" pitchFamily="34" charset="-120"/>
+                <a:ea typeface="微軟正黑體" pitchFamily="34" charset="-120"/>
+              </a:rPr>
+              <a:t>愛慕神的   抱著平安</a:t>
+            </a:r>
+            <a:endParaRPr lang="en-US" altLang="zh-TW" sz="4400" b="1" dirty="0">
+              <a:solidFill>
+                <a:srgbClr val="002060"/>
+              </a:solidFill>
               <a:latin typeface="微軟正黑體" pitchFamily="34" charset="-120"/>
               <a:ea typeface="微軟正黑體" pitchFamily="34" charset="-120"/>
             </a:endParaRPr>
@@ -3584,62 +3673,53 @@
             </a:pPr>
             <a:r>
               <a:rPr lang="zh-TW" altLang="en-US" sz="4400" b="1" dirty="0" smtClean="0">
-                <a:latin typeface="微軟正黑體" pitchFamily="34" charset="-120"/>
-                <a:ea typeface="微軟正黑體" pitchFamily="34" charset="-120"/>
-              </a:rPr>
-              <a:t>我的心 不必再憂愁</a:t>
-            </a:r>
-            <a:endParaRPr lang="en-US" altLang="zh-TW" sz="4400" b="1" dirty="0" smtClean="0">
-              <a:latin typeface="微軟正黑體" pitchFamily="34" charset="-120"/>
-              <a:ea typeface="微軟正黑體" pitchFamily="34" charset="-120"/>
-            </a:endParaRPr>
-          </a:p>
-          <a:p>
-            <a:pPr algn="ctr">
-              <a:buNone/>
-            </a:pPr>
+                <a:solidFill>
+                  <a:srgbClr val="002060"/>
+                </a:solidFill>
+                <a:latin typeface="微軟正黑體" pitchFamily="34" charset="-120"/>
+                <a:ea typeface="微軟正黑體" pitchFamily="34" charset="-120"/>
+              </a:rPr>
+              <a:t>感謝</a:t>
+            </a:r>
+            <a:r>
+              <a:rPr lang="zh-CN" altLang="en-US" sz="4400" b="1" dirty="0" smtClean="0">
+                <a:solidFill>
+                  <a:srgbClr val="002060"/>
+                </a:solidFill>
+                <a:latin typeface="微軟正黑體" pitchFamily="34" charset="-120"/>
+                <a:ea typeface="微軟正黑體" pitchFamily="34" charset="-120"/>
+              </a:rPr>
+              <a:t>袮</a:t>
+            </a:r>
             <a:r>
               <a:rPr lang="zh-TW" altLang="en-US" sz="4400" b="1" dirty="0" smtClean="0">
-                <a:latin typeface="微軟正黑體" pitchFamily="34" charset="-120"/>
-                <a:ea typeface="微軟正黑體" pitchFamily="34" charset="-120"/>
-              </a:rPr>
-              <a:t>也不用膽怯 </a:t>
-            </a:r>
-          </a:p>
-        </p:txBody>
-      </p:sp>
-      <p:sp>
-        <p:nvSpPr>
-          <p:cNvPr id="4" name="文字方塊 3"/>
-          <p:cNvSpPr txBox="1"/>
-          <p:nvPr/>
-        </p:nvSpPr>
-        <p:spPr>
-          <a:xfrm>
-            <a:off x="0" y="4500576"/>
-            <a:ext cx="9144000" cy="400110"/>
-          </a:xfrm>
-          <a:prstGeom prst="rect">
-            <a:avLst/>
-          </a:prstGeom>
-          <a:noFill/>
-        </p:spPr>
-        <p:txBody>
-          <a:bodyPr wrap="square" rtlCol="0">
-            <a:spAutoFit/>
-          </a:bodyPr>
-          <a:lstStyle/>
-          <a:p>
-            <a:pPr algn="ctr"/>
-            <a:r>
-              <a:rPr lang="en-US" altLang="zh-TW" sz="2000" b="1" dirty="0" smtClean="0"/>
-              <a:t>( Chorus 1 )</a:t>
-            </a:r>
-            <a:endParaRPr lang="zh-TW" altLang="en-US" sz="2000" b="1" dirty="0"/>
+                <a:solidFill>
+                  <a:srgbClr val="002060"/>
+                </a:solidFill>
+                <a:latin typeface="微軟正黑體" pitchFamily="34" charset="-120"/>
+                <a:ea typeface="微軟正黑體" pitchFamily="34" charset="-120"/>
+              </a:rPr>
+              <a:t>為</a:t>
+            </a:r>
+            <a:r>
+              <a:rPr lang="zh-TW" altLang="en-US" sz="4400" b="1" dirty="0">
+                <a:solidFill>
+                  <a:srgbClr val="002060"/>
+                </a:solidFill>
+                <a:latin typeface="微軟正黑體" pitchFamily="34" charset="-120"/>
+                <a:ea typeface="微軟正黑體" pitchFamily="34" charset="-120"/>
+              </a:rPr>
+              <a:t>我所編寫的一切</a:t>
+            </a:r>
           </a:p>
         </p:txBody>
       </p:sp>
     </p:spTree>
+    <p:extLst>
+      <p:ext uri="{BB962C8B-B14F-4D97-AF65-F5344CB8AC3E}">
+        <p14:creationId xmlns:p14="http://schemas.microsoft.com/office/powerpoint/2010/main" val="3238031956"/>
+      </p:ext>
+    </p:extLst>
   </p:cSld>
   <p:clrMapOvr>
     <a:masterClrMapping/>
@@ -3683,12 +3763,18 @@
           <a:p>
             <a:r>
               <a:rPr lang="zh-TW" altLang="en-US" sz="4000" b="1" dirty="0" smtClean="0">
+                <a:solidFill>
+                  <a:srgbClr val="660033"/>
+                </a:solidFill>
                 <a:latin typeface="微軟正黑體" pitchFamily="34" charset="-120"/>
                 <a:ea typeface="微軟正黑體" pitchFamily="34" charset="-120"/>
               </a:rPr>
               <a:t>平安</a:t>
             </a:r>
             <a:endParaRPr lang="zh-TW" altLang="en-US" sz="4000" b="1" dirty="0">
+              <a:solidFill>
+                <a:srgbClr val="660033"/>
+              </a:solidFill>
               <a:latin typeface="微軟正黑體" pitchFamily="34" charset="-120"/>
               <a:ea typeface="微軟正黑體" pitchFamily="34" charset="-120"/>
             </a:endParaRPr>
@@ -3717,19 +3803,18 @@
             </a:pPr>
             <a:r>
               <a:rPr lang="zh-TW" altLang="en-US" sz="4400" b="1" dirty="0" smtClean="0">
-                <a:latin typeface="微軟正黑體" pitchFamily="34" charset="-120"/>
-                <a:ea typeface="微軟正黑體" pitchFamily="34" charset="-120"/>
-              </a:rPr>
-              <a:t>主 祢賜下</a:t>
-            </a:r>
-            <a:r>
-              <a:rPr lang="zh-TW" altLang="en-US" sz="4400" b="1" dirty="0" smtClean="0">
-                <a:latin typeface="微軟正黑體" pitchFamily="34" charset="-120"/>
-                <a:ea typeface="微軟正黑體" pitchFamily="34" charset="-120"/>
-              </a:rPr>
-              <a:t>這平安</a:t>
+                <a:solidFill>
+                  <a:srgbClr val="660033"/>
+                </a:solidFill>
+                <a:latin typeface="微軟正黑體" pitchFamily="34" charset="-120"/>
+                <a:ea typeface="微軟正黑體" pitchFamily="34" charset="-120"/>
+              </a:rPr>
+              <a:t>就算世界刮著狂風暴雨 </a:t>
             </a:r>
             <a:endParaRPr lang="en-US" altLang="zh-TW" sz="4400" b="1" dirty="0" smtClean="0">
+              <a:solidFill>
+                <a:srgbClr val="660033"/>
+              </a:solidFill>
               <a:latin typeface="微軟正黑體" pitchFamily="34" charset="-120"/>
               <a:ea typeface="微軟正黑體" pitchFamily="34" charset="-120"/>
             </a:endParaRPr>
@@ -3740,26 +3825,18 @@
             </a:pPr>
             <a:r>
               <a:rPr lang="zh-TW" altLang="en-US" sz="4400" b="1" dirty="0" smtClean="0">
-                <a:latin typeface="微軟正黑體" pitchFamily="34" charset="-120"/>
-                <a:ea typeface="微軟正黑體" pitchFamily="34" charset="-120"/>
-              </a:rPr>
-              <a:t>是用重價換來</a:t>
-            </a:r>
-            <a:r>
-              <a:rPr lang="zh-TW" altLang="en-US" sz="4400" b="1" dirty="0" smtClean="0">
-                <a:latin typeface="微軟正黑體" pitchFamily="34" charset="-120"/>
-                <a:ea typeface="微軟正黑體" pitchFamily="34" charset="-120"/>
-              </a:rPr>
-              <a:t>的</a:t>
-            </a:r>
-            <a:r>
-              <a:rPr lang="zh-CN" altLang="en-US" sz="4400" b="1" dirty="0" smtClean="0">
-                <a:latin typeface="微軟正黑體" pitchFamily="34" charset="-120"/>
-                <a:ea typeface="微軟正黑體" pitchFamily="34" charset="-120"/>
-              </a:rPr>
-              <a:t>恩典</a:t>
+                <a:solidFill>
+                  <a:srgbClr val="660033"/>
+                </a:solidFill>
+                <a:latin typeface="微軟正黑體" pitchFamily="34" charset="-120"/>
+                <a:ea typeface="微軟正黑體" pitchFamily="34" charset="-120"/>
+              </a:rPr>
+              <a:t>我心仍是穩妥安舒 </a:t>
             </a:r>
             <a:endParaRPr lang="en-US" altLang="zh-TW" sz="4400" b="1" dirty="0" smtClean="0">
+              <a:solidFill>
+                <a:srgbClr val="660033"/>
+              </a:solidFill>
               <a:latin typeface="微軟正黑體" pitchFamily="34" charset="-120"/>
               <a:ea typeface="微軟正黑體" pitchFamily="34" charset="-120"/>
             </a:endParaRPr>
@@ -3770,12 +3847,18 @@
             </a:pPr>
             <a:r>
               <a:rPr lang="zh-TW" altLang="en-US" sz="4400" b="1" dirty="0" smtClean="0">
-                <a:latin typeface="微軟正黑體" pitchFamily="34" charset="-120"/>
-                <a:ea typeface="微軟正黑體" pitchFamily="34" charset="-120"/>
-              </a:rPr>
-              <a:t>受鞭傷使我得醫治</a:t>
+                <a:solidFill>
+                  <a:srgbClr val="660033"/>
+                </a:solidFill>
+                <a:latin typeface="微軟正黑體" pitchFamily="34" charset="-120"/>
+                <a:ea typeface="微軟正黑體" pitchFamily="34" charset="-120"/>
+              </a:rPr>
+              <a:t>無論前路灰暗 憂傷困倦 </a:t>
             </a:r>
             <a:endParaRPr lang="en-US" altLang="zh-TW" sz="4400" b="1" dirty="0" smtClean="0">
+              <a:solidFill>
+                <a:srgbClr val="660033"/>
+              </a:solidFill>
               <a:latin typeface="微軟正黑體" pitchFamily="34" charset="-120"/>
               <a:ea typeface="微軟正黑體" pitchFamily="34" charset="-120"/>
             </a:endParaRPr>
@@ -3786,11 +3869,21 @@
             </a:pPr>
             <a:r>
               <a:rPr lang="zh-TW" altLang="en-US" sz="4400" b="1" dirty="0" smtClean="0">
-                <a:latin typeface="微軟正黑體" pitchFamily="34" charset="-120"/>
-                <a:ea typeface="微軟正黑體" pitchFamily="34" charset="-120"/>
-              </a:rPr>
-              <a:t>受刑罰讓我得到赦免</a:t>
-            </a:r>
+                <a:solidFill>
+                  <a:srgbClr val="660033"/>
+                </a:solidFill>
+                <a:latin typeface="微軟正黑體" pitchFamily="34" charset="-120"/>
+                <a:ea typeface="微軟正黑體" pitchFamily="34" charset="-120"/>
+              </a:rPr>
+              <a:t>祢讓我站穩 磐石之處</a:t>
+            </a:r>
+            <a:endParaRPr lang="zh-TW" altLang="en-US" sz="4400" b="1" dirty="0">
+              <a:solidFill>
+                <a:srgbClr val="660033"/>
+              </a:solidFill>
+              <a:latin typeface="微軟正黑體" pitchFamily="34" charset="-120"/>
+              <a:ea typeface="微軟正黑體" pitchFamily="34" charset="-120"/>
+            </a:endParaRPr>
           </a:p>
         </p:txBody>
       </p:sp>
@@ -3818,10 +3911,1455 @@
           <a:p>
             <a:pPr algn="ctr"/>
             <a:r>
-              <a:rPr lang="en-US" altLang="zh-TW" sz="2000" b="1" dirty="0" smtClean="0"/>
+              <a:rPr lang="en-US" altLang="zh-TW" sz="2000" b="1" dirty="0" smtClean="0">
+                <a:solidFill>
+                  <a:srgbClr val="660033"/>
+                </a:solidFill>
+              </a:rPr>
+              <a:t>( Verse 1 )</a:t>
+            </a:r>
+            <a:endParaRPr lang="zh-TW" altLang="en-US" sz="2000" b="1" dirty="0">
+              <a:solidFill>
+                <a:srgbClr val="660033"/>
+              </a:solidFill>
+            </a:endParaRPr>
+          </a:p>
+        </p:txBody>
+      </p:sp>
+    </p:spTree>
+  </p:cSld>
+  <p:clrMapOvr>
+    <a:masterClrMapping/>
+  </p:clrMapOvr>
+</p:sld>
+</file>
+
+<file path=ppt/slides/slide13.xml><?xml version="1.0" encoding="utf-8"?>
+<p:sld xmlns:a="http://schemas.openxmlformats.org/drawingml/2006/main" xmlns:r="http://schemas.openxmlformats.org/officeDocument/2006/relationships" xmlns:p="http://schemas.openxmlformats.org/presentationml/2006/main">
+  <p:cSld>
+    <p:spTree>
+      <p:nvGrpSpPr>
+        <p:cNvPr id="1" name=""/>
+        <p:cNvGrpSpPr/>
+        <p:nvPr/>
+      </p:nvGrpSpPr>
+      <p:grpSpPr>
+        <a:xfrm>
+          <a:off x="0" y="0"/>
+          <a:ext cx="0" cy="0"/>
+          <a:chOff x="0" y="0"/>
+          <a:chExt cx="0" cy="0"/>
+        </a:xfrm>
+      </p:grpSpPr>
+      <p:sp>
+        <p:nvSpPr>
+          <p:cNvPr id="2" name="標題 1"/>
+          <p:cNvSpPr>
+            <a:spLocks noGrp="1"/>
+          </p:cNvSpPr>
+          <p:nvPr>
+            <p:ph type="title"/>
+          </p:nvPr>
+        </p:nvSpPr>
+        <p:spPr/>
+        <p:txBody>
+          <a:bodyPr>
+            <a:normAutofit/>
+          </a:bodyPr>
+          <a:lstStyle/>
+          <a:p>
+            <a:r>
+              <a:rPr lang="zh-TW" altLang="en-US" sz="4000" b="1" dirty="0" smtClean="0">
+                <a:solidFill>
+                  <a:srgbClr val="660033"/>
+                </a:solidFill>
+                <a:latin typeface="微軟正黑體" pitchFamily="34" charset="-120"/>
+                <a:ea typeface="微軟正黑體" pitchFamily="34" charset="-120"/>
+              </a:rPr>
+              <a:t>平安</a:t>
+            </a:r>
+            <a:endParaRPr lang="zh-TW" altLang="en-US" sz="4000" b="1" dirty="0">
+              <a:solidFill>
+                <a:srgbClr val="660033"/>
+              </a:solidFill>
+              <a:latin typeface="微軟正黑體" pitchFamily="34" charset="-120"/>
+              <a:ea typeface="微軟正黑體" pitchFamily="34" charset="-120"/>
+            </a:endParaRPr>
+          </a:p>
+        </p:txBody>
+      </p:sp>
+      <p:sp>
+        <p:nvSpPr>
+          <p:cNvPr id="3" name="內容版面配置區 2"/>
+          <p:cNvSpPr>
+            <a:spLocks noGrp="1"/>
+          </p:cNvSpPr>
+          <p:nvPr>
+            <p:ph idx="1"/>
+          </p:nvPr>
+        </p:nvSpPr>
+        <p:spPr/>
+        <p:txBody>
+          <a:bodyPr>
+            <a:normAutofit/>
+          </a:bodyPr>
+          <a:lstStyle/>
+          <a:p>
+            <a:pPr algn="ctr">
+              <a:buNone/>
+            </a:pPr>
+            <a:r>
+              <a:rPr lang="zh-TW" altLang="en-US" sz="4400" b="1" dirty="0" smtClean="0">
+                <a:solidFill>
+                  <a:srgbClr val="660033"/>
+                </a:solidFill>
+                <a:latin typeface="微軟正黑體" pitchFamily="34" charset="-120"/>
+                <a:ea typeface="微軟正黑體" pitchFamily="34" charset="-120"/>
+              </a:rPr>
+              <a:t>主 祢賜下這平安</a:t>
+            </a:r>
+            <a:endParaRPr lang="en-US" altLang="zh-TW" sz="4400" b="1" dirty="0" smtClean="0">
+              <a:solidFill>
+                <a:srgbClr val="660033"/>
+              </a:solidFill>
+              <a:latin typeface="微軟正黑體" pitchFamily="34" charset="-120"/>
+              <a:ea typeface="微軟正黑體" pitchFamily="34" charset="-120"/>
+            </a:endParaRPr>
+          </a:p>
+          <a:p>
+            <a:pPr algn="ctr">
+              <a:buNone/>
+            </a:pPr>
+            <a:r>
+              <a:rPr lang="zh-TW" altLang="en-US" sz="4400" b="1" dirty="0" smtClean="0">
+                <a:solidFill>
+                  <a:srgbClr val="660033"/>
+                </a:solidFill>
+                <a:latin typeface="微軟正黑體" pitchFamily="34" charset="-120"/>
+                <a:ea typeface="微軟正黑體" pitchFamily="34" charset="-120"/>
+              </a:rPr>
+              <a:t>是用重價換來的</a:t>
+            </a:r>
+            <a:r>
+              <a:rPr lang="zh-CN" altLang="en-US" sz="4400" b="1" dirty="0" smtClean="0">
+                <a:solidFill>
+                  <a:srgbClr val="660033"/>
+                </a:solidFill>
+                <a:latin typeface="微軟正黑體" pitchFamily="34" charset="-120"/>
+                <a:ea typeface="微軟正黑體" pitchFamily="34" charset="-120"/>
+              </a:rPr>
+              <a:t>恩典</a:t>
+            </a:r>
+            <a:endParaRPr lang="en-US" altLang="zh-TW" sz="4400" b="1" dirty="0" smtClean="0">
+              <a:solidFill>
+                <a:srgbClr val="660033"/>
+              </a:solidFill>
+              <a:latin typeface="微軟正黑體" pitchFamily="34" charset="-120"/>
+              <a:ea typeface="微軟正黑體" pitchFamily="34" charset="-120"/>
+            </a:endParaRPr>
+          </a:p>
+          <a:p>
+            <a:pPr algn="ctr">
+              <a:buNone/>
+            </a:pPr>
+            <a:r>
+              <a:rPr lang="zh-TW" altLang="en-US" sz="4400" b="1" dirty="0" smtClean="0">
+                <a:solidFill>
+                  <a:srgbClr val="660033"/>
+                </a:solidFill>
+                <a:latin typeface="微軟正黑體" pitchFamily="34" charset="-120"/>
+                <a:ea typeface="微軟正黑體" pitchFamily="34" charset="-120"/>
+              </a:rPr>
+              <a:t>受鞭傷使我得醫治</a:t>
+            </a:r>
+            <a:endParaRPr lang="en-US" altLang="zh-TW" sz="4400" b="1" dirty="0" smtClean="0">
+              <a:solidFill>
+                <a:srgbClr val="660033"/>
+              </a:solidFill>
+              <a:latin typeface="微軟正黑體" pitchFamily="34" charset="-120"/>
+              <a:ea typeface="微軟正黑體" pitchFamily="34" charset="-120"/>
+            </a:endParaRPr>
+          </a:p>
+          <a:p>
+            <a:pPr algn="ctr">
+              <a:buNone/>
+            </a:pPr>
+            <a:r>
+              <a:rPr lang="zh-TW" altLang="en-US" sz="4400" b="1" dirty="0" smtClean="0">
+                <a:solidFill>
+                  <a:srgbClr val="660033"/>
+                </a:solidFill>
+                <a:latin typeface="微軟正黑體" pitchFamily="34" charset="-120"/>
+                <a:ea typeface="微軟正黑體" pitchFamily="34" charset="-120"/>
+              </a:rPr>
+              <a:t>受刑罰讓我得到赦免</a:t>
+            </a:r>
+          </a:p>
+        </p:txBody>
+      </p:sp>
+      <p:sp>
+        <p:nvSpPr>
+          <p:cNvPr id="4" name="文字方塊 3"/>
+          <p:cNvSpPr txBox="1"/>
+          <p:nvPr/>
+        </p:nvSpPr>
+        <p:spPr>
+          <a:xfrm>
+            <a:off x="0" y="4500576"/>
+            <a:ext cx="9144000" cy="400110"/>
+          </a:xfrm>
+          <a:prstGeom prst="rect">
+            <a:avLst/>
+          </a:prstGeom>
+          <a:noFill/>
+        </p:spPr>
+        <p:txBody>
+          <a:bodyPr wrap="square" rtlCol="0">
+            <a:spAutoFit/>
+          </a:bodyPr>
+          <a:lstStyle/>
+          <a:p>
+            <a:pPr algn="ctr"/>
+            <a:r>
+              <a:rPr lang="en-US" altLang="zh-TW" sz="2000" b="1" dirty="0" smtClean="0">
+                <a:solidFill>
+                  <a:srgbClr val="660033"/>
+                </a:solidFill>
+              </a:rPr>
               <a:t>( Chorus 2 )</a:t>
             </a:r>
-            <a:endParaRPr lang="zh-TW" altLang="en-US" sz="2000" b="1" dirty="0"/>
+            <a:endParaRPr lang="zh-TW" altLang="en-US" sz="2000" b="1" dirty="0">
+              <a:solidFill>
+                <a:srgbClr val="660033"/>
+              </a:solidFill>
+            </a:endParaRPr>
+          </a:p>
+        </p:txBody>
+      </p:sp>
+    </p:spTree>
+  </p:cSld>
+  <p:clrMapOvr>
+    <a:masterClrMapping/>
+  </p:clrMapOvr>
+</p:sld>
+</file>
+
+<file path=ppt/slides/slide14.xml><?xml version="1.0" encoding="utf-8"?>
+<p:sld xmlns:a="http://schemas.openxmlformats.org/drawingml/2006/main" xmlns:r="http://schemas.openxmlformats.org/officeDocument/2006/relationships" xmlns:p="http://schemas.openxmlformats.org/presentationml/2006/main">
+  <p:cSld>
+    <p:spTree>
+      <p:nvGrpSpPr>
+        <p:cNvPr id="1" name=""/>
+        <p:cNvGrpSpPr/>
+        <p:nvPr/>
+      </p:nvGrpSpPr>
+      <p:grpSpPr>
+        <a:xfrm>
+          <a:off x="0" y="0"/>
+          <a:ext cx="0" cy="0"/>
+          <a:chOff x="0" y="0"/>
+          <a:chExt cx="0" cy="0"/>
+        </a:xfrm>
+      </p:grpSpPr>
+      <p:sp>
+        <p:nvSpPr>
+          <p:cNvPr id="2" name="標題 1"/>
+          <p:cNvSpPr>
+            <a:spLocks noGrp="1"/>
+          </p:cNvSpPr>
+          <p:nvPr>
+            <p:ph type="title"/>
+          </p:nvPr>
+        </p:nvSpPr>
+        <p:spPr/>
+        <p:txBody>
+          <a:bodyPr>
+            <a:normAutofit/>
+          </a:bodyPr>
+          <a:lstStyle/>
+          <a:p>
+            <a:r>
+              <a:rPr lang="zh-TW" altLang="en-US" sz="4000" b="1" dirty="0" smtClean="0">
+                <a:solidFill>
+                  <a:srgbClr val="660033"/>
+                </a:solidFill>
+                <a:latin typeface="微軟正黑體" pitchFamily="34" charset="-120"/>
+                <a:ea typeface="微軟正黑體" pitchFamily="34" charset="-120"/>
+              </a:rPr>
+              <a:t>平安</a:t>
+            </a:r>
+            <a:endParaRPr lang="zh-TW" altLang="en-US" sz="4000" b="1" dirty="0">
+              <a:solidFill>
+                <a:srgbClr val="660033"/>
+              </a:solidFill>
+              <a:latin typeface="微軟正黑體" pitchFamily="34" charset="-120"/>
+              <a:ea typeface="微軟正黑體" pitchFamily="34" charset="-120"/>
+            </a:endParaRPr>
+          </a:p>
+        </p:txBody>
+      </p:sp>
+      <p:sp>
+        <p:nvSpPr>
+          <p:cNvPr id="3" name="內容版面配置區 2"/>
+          <p:cNvSpPr>
+            <a:spLocks noGrp="1"/>
+          </p:cNvSpPr>
+          <p:nvPr>
+            <p:ph idx="1"/>
+          </p:nvPr>
+        </p:nvSpPr>
+        <p:spPr/>
+        <p:txBody>
+          <a:bodyPr>
+            <a:normAutofit/>
+          </a:bodyPr>
+          <a:lstStyle/>
+          <a:p>
+            <a:pPr algn="ctr">
+              <a:buNone/>
+            </a:pPr>
+            <a:r>
+              <a:rPr lang="zh-TW" altLang="en-US" sz="4400" b="1" dirty="0" smtClean="0">
+                <a:solidFill>
+                  <a:srgbClr val="660033"/>
+                </a:solidFill>
+                <a:latin typeface="微軟正黑體" pitchFamily="34" charset="-120"/>
+                <a:ea typeface="微軟正黑體" pitchFamily="34" charset="-120"/>
+              </a:rPr>
+              <a:t>就算世界刮著狂風暴雨 </a:t>
+            </a:r>
+            <a:endParaRPr lang="en-US" altLang="zh-TW" sz="4400" b="1" dirty="0" smtClean="0">
+              <a:solidFill>
+                <a:srgbClr val="660033"/>
+              </a:solidFill>
+              <a:latin typeface="微軟正黑體" pitchFamily="34" charset="-120"/>
+              <a:ea typeface="微軟正黑體" pitchFamily="34" charset="-120"/>
+            </a:endParaRPr>
+          </a:p>
+          <a:p>
+            <a:pPr algn="ctr">
+              <a:buNone/>
+            </a:pPr>
+            <a:r>
+              <a:rPr lang="zh-TW" altLang="en-US" sz="4400" b="1" dirty="0" smtClean="0">
+                <a:solidFill>
+                  <a:srgbClr val="660033"/>
+                </a:solidFill>
+                <a:latin typeface="微軟正黑體" pitchFamily="34" charset="-120"/>
+                <a:ea typeface="微軟正黑體" pitchFamily="34" charset="-120"/>
+              </a:rPr>
+              <a:t>我心仍是穩妥安舒 </a:t>
+            </a:r>
+            <a:endParaRPr lang="en-US" altLang="zh-TW" sz="4400" b="1" dirty="0" smtClean="0">
+              <a:solidFill>
+                <a:srgbClr val="660033"/>
+              </a:solidFill>
+              <a:latin typeface="微軟正黑體" pitchFamily="34" charset="-120"/>
+              <a:ea typeface="微軟正黑體" pitchFamily="34" charset="-120"/>
+            </a:endParaRPr>
+          </a:p>
+          <a:p>
+            <a:pPr algn="ctr">
+              <a:buNone/>
+            </a:pPr>
+            <a:r>
+              <a:rPr lang="zh-TW" altLang="en-US" sz="4400" b="1" dirty="0" smtClean="0">
+                <a:solidFill>
+                  <a:srgbClr val="660033"/>
+                </a:solidFill>
+                <a:latin typeface="微軟正黑體" pitchFamily="34" charset="-120"/>
+                <a:ea typeface="微軟正黑體" pitchFamily="34" charset="-120"/>
+              </a:rPr>
+              <a:t>無論前路灰暗 憂傷困倦 </a:t>
+            </a:r>
+            <a:endParaRPr lang="en-US" altLang="zh-TW" sz="4400" b="1" dirty="0" smtClean="0">
+              <a:solidFill>
+                <a:srgbClr val="660033"/>
+              </a:solidFill>
+              <a:latin typeface="微軟正黑體" pitchFamily="34" charset="-120"/>
+              <a:ea typeface="微軟正黑體" pitchFamily="34" charset="-120"/>
+            </a:endParaRPr>
+          </a:p>
+          <a:p>
+            <a:pPr algn="ctr">
+              <a:buNone/>
+            </a:pPr>
+            <a:r>
+              <a:rPr lang="zh-TW" altLang="en-US" sz="4400" b="1" dirty="0" smtClean="0">
+                <a:solidFill>
+                  <a:srgbClr val="660033"/>
+                </a:solidFill>
+                <a:latin typeface="微軟正黑體" pitchFamily="34" charset="-120"/>
+                <a:ea typeface="微軟正黑體" pitchFamily="34" charset="-120"/>
+              </a:rPr>
+              <a:t>祢讓我站穩 磐石之處</a:t>
+            </a:r>
+            <a:endParaRPr lang="zh-TW" altLang="en-US" sz="4400" b="1" dirty="0">
+              <a:solidFill>
+                <a:srgbClr val="660033"/>
+              </a:solidFill>
+              <a:latin typeface="微軟正黑體" pitchFamily="34" charset="-120"/>
+              <a:ea typeface="微軟正黑體" pitchFamily="34" charset="-120"/>
+            </a:endParaRPr>
+          </a:p>
+        </p:txBody>
+      </p:sp>
+      <p:sp>
+        <p:nvSpPr>
+          <p:cNvPr id="4" name="文字方塊 3"/>
+          <p:cNvSpPr txBox="1"/>
+          <p:nvPr/>
+        </p:nvSpPr>
+        <p:spPr>
+          <a:xfrm>
+            <a:off x="0" y="4500576"/>
+            <a:ext cx="9144000" cy="400110"/>
+          </a:xfrm>
+          <a:prstGeom prst="rect">
+            <a:avLst/>
+          </a:prstGeom>
+          <a:noFill/>
+        </p:spPr>
+        <p:txBody>
+          <a:bodyPr wrap="square" rtlCol="0">
+            <a:spAutoFit/>
+          </a:bodyPr>
+          <a:lstStyle/>
+          <a:p>
+            <a:pPr algn="ctr"/>
+            <a:r>
+              <a:rPr lang="en-US" altLang="zh-TW" sz="2000" b="1" dirty="0" smtClean="0">
+                <a:solidFill>
+                  <a:srgbClr val="660033"/>
+                </a:solidFill>
+              </a:rPr>
+              <a:t>( Verse 1 )</a:t>
+            </a:r>
+            <a:endParaRPr lang="zh-TW" altLang="en-US" sz="2000" b="1" dirty="0">
+              <a:solidFill>
+                <a:srgbClr val="660033"/>
+              </a:solidFill>
+            </a:endParaRPr>
+          </a:p>
+        </p:txBody>
+      </p:sp>
+    </p:spTree>
+  </p:cSld>
+  <p:clrMapOvr>
+    <a:masterClrMapping/>
+  </p:clrMapOvr>
+</p:sld>
+</file>
+
+<file path=ppt/slides/slide15.xml><?xml version="1.0" encoding="utf-8"?>
+<p:sld xmlns:a="http://schemas.openxmlformats.org/drawingml/2006/main" xmlns:r="http://schemas.openxmlformats.org/officeDocument/2006/relationships" xmlns:p="http://schemas.openxmlformats.org/presentationml/2006/main">
+  <p:cSld>
+    <p:spTree>
+      <p:nvGrpSpPr>
+        <p:cNvPr id="1" name=""/>
+        <p:cNvGrpSpPr/>
+        <p:nvPr/>
+      </p:nvGrpSpPr>
+      <p:grpSpPr>
+        <a:xfrm>
+          <a:off x="0" y="0"/>
+          <a:ext cx="0" cy="0"/>
+          <a:chOff x="0" y="0"/>
+          <a:chExt cx="0" cy="0"/>
+        </a:xfrm>
+      </p:grpSpPr>
+      <p:sp>
+        <p:nvSpPr>
+          <p:cNvPr id="2" name="標題 1"/>
+          <p:cNvSpPr>
+            <a:spLocks noGrp="1"/>
+          </p:cNvSpPr>
+          <p:nvPr>
+            <p:ph type="title"/>
+          </p:nvPr>
+        </p:nvSpPr>
+        <p:spPr/>
+        <p:txBody>
+          <a:bodyPr>
+            <a:normAutofit/>
+          </a:bodyPr>
+          <a:lstStyle/>
+          <a:p>
+            <a:r>
+              <a:rPr lang="zh-TW" altLang="en-US" sz="4000" b="1" dirty="0" smtClean="0">
+                <a:solidFill>
+                  <a:srgbClr val="660033"/>
+                </a:solidFill>
+                <a:latin typeface="微軟正黑體" pitchFamily="34" charset="-120"/>
+                <a:ea typeface="微軟正黑體" pitchFamily="34" charset="-120"/>
+              </a:rPr>
+              <a:t>平安</a:t>
+            </a:r>
+            <a:endParaRPr lang="zh-TW" altLang="en-US" sz="4000" b="1" dirty="0">
+              <a:solidFill>
+                <a:srgbClr val="660033"/>
+              </a:solidFill>
+              <a:latin typeface="微軟正黑體" pitchFamily="34" charset="-120"/>
+              <a:ea typeface="微軟正黑體" pitchFamily="34" charset="-120"/>
+            </a:endParaRPr>
+          </a:p>
+        </p:txBody>
+      </p:sp>
+      <p:sp>
+        <p:nvSpPr>
+          <p:cNvPr id="3" name="內容版面配置區 2"/>
+          <p:cNvSpPr>
+            <a:spLocks noGrp="1"/>
+          </p:cNvSpPr>
+          <p:nvPr>
+            <p:ph idx="1"/>
+          </p:nvPr>
+        </p:nvSpPr>
+        <p:spPr/>
+        <p:txBody>
+          <a:bodyPr>
+            <a:normAutofit/>
+          </a:bodyPr>
+          <a:lstStyle/>
+          <a:p>
+            <a:pPr algn="ctr">
+              <a:buNone/>
+            </a:pPr>
+            <a:r>
+              <a:rPr lang="zh-TW" altLang="en-US" sz="4400" b="1" dirty="0" smtClean="0">
+                <a:solidFill>
+                  <a:srgbClr val="660033"/>
+                </a:solidFill>
+                <a:latin typeface="微軟正黑體" pitchFamily="34" charset="-120"/>
+                <a:ea typeface="微軟正黑體" pitchFamily="34" charset="-120"/>
+              </a:rPr>
+              <a:t>就算捆鎖劫難縈繞著我 </a:t>
+            </a:r>
+            <a:endParaRPr lang="en-US" altLang="zh-TW" sz="4400" b="1" dirty="0" smtClean="0">
+              <a:solidFill>
+                <a:srgbClr val="660033"/>
+              </a:solidFill>
+              <a:latin typeface="微軟正黑體" pitchFamily="34" charset="-120"/>
+              <a:ea typeface="微軟正黑體" pitchFamily="34" charset="-120"/>
+            </a:endParaRPr>
+          </a:p>
+          <a:p>
+            <a:pPr algn="ctr">
+              <a:buNone/>
+            </a:pPr>
+            <a:r>
+              <a:rPr lang="zh-TW" altLang="en-US" sz="4400" b="1" dirty="0" smtClean="0">
+                <a:solidFill>
+                  <a:srgbClr val="660033"/>
+                </a:solidFill>
+                <a:latin typeface="微軟正黑體" pitchFamily="34" charset="-120"/>
+                <a:ea typeface="微軟正黑體" pitchFamily="34" charset="-120"/>
+              </a:rPr>
+              <a:t>我心藏著不死盼望</a:t>
+            </a:r>
+            <a:endParaRPr lang="en-US" altLang="zh-TW" sz="4400" b="1" dirty="0" smtClean="0">
+              <a:solidFill>
+                <a:srgbClr val="660033"/>
+              </a:solidFill>
+              <a:latin typeface="微軟正黑體" pitchFamily="34" charset="-120"/>
+              <a:ea typeface="微軟正黑體" pitchFamily="34" charset="-120"/>
+            </a:endParaRPr>
+          </a:p>
+          <a:p>
+            <a:pPr algn="ctr">
+              <a:buNone/>
+            </a:pPr>
+            <a:r>
+              <a:rPr lang="zh-TW" altLang="en-US" sz="4400" b="1" dirty="0" smtClean="0">
+                <a:solidFill>
+                  <a:srgbClr val="660033"/>
+                </a:solidFill>
+                <a:latin typeface="微軟正黑體" pitchFamily="34" charset="-120"/>
+                <a:ea typeface="微軟正黑體" pitchFamily="34" charset="-120"/>
+              </a:rPr>
+              <a:t>耶穌是我牧者 永在我旁</a:t>
+            </a:r>
+            <a:endParaRPr lang="en-US" altLang="zh-TW" sz="4400" b="1" dirty="0" smtClean="0">
+              <a:solidFill>
+                <a:srgbClr val="660033"/>
+              </a:solidFill>
+              <a:latin typeface="微軟正黑體" pitchFamily="34" charset="-120"/>
+              <a:ea typeface="微軟正黑體" pitchFamily="34" charset="-120"/>
+            </a:endParaRPr>
+          </a:p>
+          <a:p>
+            <a:pPr algn="ctr">
+              <a:buNone/>
+            </a:pPr>
+            <a:r>
+              <a:rPr lang="zh-TW" altLang="en-US" sz="4400" b="1" dirty="0" smtClean="0">
+                <a:solidFill>
+                  <a:srgbClr val="660033"/>
+                </a:solidFill>
+                <a:latin typeface="微軟正黑體" pitchFamily="34" charset="-120"/>
+                <a:ea typeface="微軟正黑體" pitchFamily="34" charset="-120"/>
+              </a:rPr>
+              <a:t>祢杖祢竿都安慰我</a:t>
+            </a:r>
+          </a:p>
+        </p:txBody>
+      </p:sp>
+      <p:sp>
+        <p:nvSpPr>
+          <p:cNvPr id="4" name="文字方塊 3"/>
+          <p:cNvSpPr txBox="1"/>
+          <p:nvPr/>
+        </p:nvSpPr>
+        <p:spPr>
+          <a:xfrm>
+            <a:off x="0" y="4500576"/>
+            <a:ext cx="9144000" cy="400110"/>
+          </a:xfrm>
+          <a:prstGeom prst="rect">
+            <a:avLst/>
+          </a:prstGeom>
+          <a:noFill/>
+        </p:spPr>
+        <p:txBody>
+          <a:bodyPr wrap="square" rtlCol="0">
+            <a:spAutoFit/>
+          </a:bodyPr>
+          <a:lstStyle/>
+          <a:p>
+            <a:pPr algn="ctr"/>
+            <a:r>
+              <a:rPr lang="en-US" altLang="zh-TW" sz="2000" b="1" dirty="0" smtClean="0">
+                <a:solidFill>
+                  <a:srgbClr val="660033"/>
+                </a:solidFill>
+              </a:rPr>
+              <a:t>( Verse 2 )</a:t>
+            </a:r>
+            <a:endParaRPr lang="zh-TW" altLang="en-US" sz="2000" b="1" dirty="0">
+              <a:solidFill>
+                <a:srgbClr val="660033"/>
+              </a:solidFill>
+            </a:endParaRPr>
+          </a:p>
+        </p:txBody>
+      </p:sp>
+    </p:spTree>
+  </p:cSld>
+  <p:clrMapOvr>
+    <a:masterClrMapping/>
+  </p:clrMapOvr>
+</p:sld>
+</file>
+
+<file path=ppt/slides/slide16.xml><?xml version="1.0" encoding="utf-8"?>
+<p:sld xmlns:a="http://schemas.openxmlformats.org/drawingml/2006/main" xmlns:r="http://schemas.openxmlformats.org/officeDocument/2006/relationships" xmlns:p="http://schemas.openxmlformats.org/presentationml/2006/main">
+  <p:cSld>
+    <p:spTree>
+      <p:nvGrpSpPr>
+        <p:cNvPr id="1" name=""/>
+        <p:cNvGrpSpPr/>
+        <p:nvPr/>
+      </p:nvGrpSpPr>
+      <p:grpSpPr>
+        <a:xfrm>
+          <a:off x="0" y="0"/>
+          <a:ext cx="0" cy="0"/>
+          <a:chOff x="0" y="0"/>
+          <a:chExt cx="0" cy="0"/>
+        </a:xfrm>
+      </p:grpSpPr>
+      <p:sp>
+        <p:nvSpPr>
+          <p:cNvPr id="2" name="標題 1"/>
+          <p:cNvSpPr>
+            <a:spLocks noGrp="1"/>
+          </p:cNvSpPr>
+          <p:nvPr>
+            <p:ph type="title"/>
+          </p:nvPr>
+        </p:nvSpPr>
+        <p:spPr/>
+        <p:txBody>
+          <a:bodyPr>
+            <a:normAutofit/>
+          </a:bodyPr>
+          <a:lstStyle/>
+          <a:p>
+            <a:r>
+              <a:rPr lang="zh-TW" altLang="en-US" sz="4000" b="1" dirty="0" smtClean="0">
+                <a:solidFill>
+                  <a:srgbClr val="660033"/>
+                </a:solidFill>
+                <a:latin typeface="微軟正黑體" pitchFamily="34" charset="-120"/>
+                <a:ea typeface="微軟正黑體" pitchFamily="34" charset="-120"/>
+              </a:rPr>
+              <a:t>平安</a:t>
+            </a:r>
+            <a:endParaRPr lang="zh-TW" altLang="en-US" sz="4000" b="1" dirty="0">
+              <a:solidFill>
+                <a:srgbClr val="660033"/>
+              </a:solidFill>
+              <a:latin typeface="微軟正黑體" pitchFamily="34" charset="-120"/>
+              <a:ea typeface="微軟正黑體" pitchFamily="34" charset="-120"/>
+            </a:endParaRPr>
+          </a:p>
+        </p:txBody>
+      </p:sp>
+      <p:sp>
+        <p:nvSpPr>
+          <p:cNvPr id="3" name="內容版面配置區 2"/>
+          <p:cNvSpPr>
+            <a:spLocks noGrp="1"/>
+          </p:cNvSpPr>
+          <p:nvPr>
+            <p:ph idx="1"/>
+          </p:nvPr>
+        </p:nvSpPr>
+        <p:spPr/>
+        <p:txBody>
+          <a:bodyPr>
+            <a:normAutofit/>
+          </a:bodyPr>
+          <a:lstStyle/>
+          <a:p>
+            <a:pPr algn="ctr">
+              <a:buNone/>
+            </a:pPr>
+            <a:r>
+              <a:rPr lang="zh-TW" altLang="en-US" sz="4400" b="1" dirty="0" smtClean="0">
+                <a:solidFill>
+                  <a:srgbClr val="660033"/>
+                </a:solidFill>
+                <a:latin typeface="微軟正黑體" pitchFamily="34" charset="-120"/>
+                <a:ea typeface="微軟正黑體" pitchFamily="34" charset="-120"/>
+              </a:rPr>
+              <a:t>主  祢賜下平安</a:t>
+            </a:r>
+            <a:endParaRPr lang="en-US" altLang="zh-TW" sz="4400" b="1" dirty="0" smtClean="0">
+              <a:solidFill>
+                <a:srgbClr val="660033"/>
+              </a:solidFill>
+              <a:latin typeface="微軟正黑體" pitchFamily="34" charset="-120"/>
+              <a:ea typeface="微軟正黑體" pitchFamily="34" charset="-120"/>
+            </a:endParaRPr>
+          </a:p>
+          <a:p>
+            <a:pPr algn="ctr">
+              <a:buNone/>
+            </a:pPr>
+            <a:r>
+              <a:rPr lang="zh-TW" altLang="en-US" sz="4400" b="1" dirty="0" smtClean="0">
+                <a:solidFill>
+                  <a:srgbClr val="660033"/>
+                </a:solidFill>
+                <a:latin typeface="微軟正黑體" pitchFamily="34" charset="-120"/>
+                <a:ea typeface="微軟正黑體" pitchFamily="34" charset="-120"/>
+              </a:rPr>
+              <a:t>不像世人所賜</a:t>
+            </a:r>
+            <a:endParaRPr lang="en-US" altLang="zh-TW" sz="4400" b="1" dirty="0" smtClean="0">
+              <a:solidFill>
+                <a:srgbClr val="660033"/>
+              </a:solidFill>
+              <a:latin typeface="微軟正黑體" pitchFamily="34" charset="-120"/>
+              <a:ea typeface="微軟正黑體" pitchFamily="34" charset="-120"/>
+            </a:endParaRPr>
+          </a:p>
+          <a:p>
+            <a:pPr algn="ctr">
+              <a:buNone/>
+            </a:pPr>
+            <a:r>
+              <a:rPr lang="zh-TW" altLang="en-US" sz="4400" b="1" dirty="0" smtClean="0">
+                <a:solidFill>
+                  <a:srgbClr val="660033"/>
+                </a:solidFill>
+                <a:latin typeface="微軟正黑體" pitchFamily="34" charset="-120"/>
+                <a:ea typeface="微軟正黑體" pitchFamily="34" charset="-120"/>
+              </a:rPr>
+              <a:t>我的心 不必再憂愁</a:t>
+            </a:r>
+            <a:endParaRPr lang="en-US" altLang="zh-TW" sz="4400" b="1" dirty="0" smtClean="0">
+              <a:solidFill>
+                <a:srgbClr val="660033"/>
+              </a:solidFill>
+              <a:latin typeface="微軟正黑體" pitchFamily="34" charset="-120"/>
+              <a:ea typeface="微軟正黑體" pitchFamily="34" charset="-120"/>
+            </a:endParaRPr>
+          </a:p>
+          <a:p>
+            <a:pPr algn="ctr">
+              <a:buNone/>
+            </a:pPr>
+            <a:r>
+              <a:rPr lang="zh-TW" altLang="en-US" sz="4400" b="1" dirty="0" smtClean="0">
+                <a:solidFill>
+                  <a:srgbClr val="660033"/>
+                </a:solidFill>
+                <a:latin typeface="微軟正黑體" pitchFamily="34" charset="-120"/>
+                <a:ea typeface="微軟正黑體" pitchFamily="34" charset="-120"/>
+              </a:rPr>
+              <a:t>也不用膽怯 </a:t>
+            </a:r>
+          </a:p>
+        </p:txBody>
+      </p:sp>
+      <p:sp>
+        <p:nvSpPr>
+          <p:cNvPr id="4" name="文字方塊 3"/>
+          <p:cNvSpPr txBox="1"/>
+          <p:nvPr/>
+        </p:nvSpPr>
+        <p:spPr>
+          <a:xfrm>
+            <a:off x="0" y="4500576"/>
+            <a:ext cx="9144000" cy="400110"/>
+          </a:xfrm>
+          <a:prstGeom prst="rect">
+            <a:avLst/>
+          </a:prstGeom>
+          <a:noFill/>
+        </p:spPr>
+        <p:txBody>
+          <a:bodyPr wrap="square" rtlCol="0">
+            <a:spAutoFit/>
+          </a:bodyPr>
+          <a:lstStyle/>
+          <a:p>
+            <a:pPr algn="ctr"/>
+            <a:r>
+              <a:rPr lang="en-US" altLang="zh-TW" sz="2000" b="1" dirty="0" smtClean="0">
+                <a:solidFill>
+                  <a:srgbClr val="660033"/>
+                </a:solidFill>
+              </a:rPr>
+              <a:t>( Chorus 1 )</a:t>
+            </a:r>
+            <a:endParaRPr lang="zh-TW" altLang="en-US" sz="2000" b="1" dirty="0">
+              <a:solidFill>
+                <a:srgbClr val="660033"/>
+              </a:solidFill>
+            </a:endParaRPr>
+          </a:p>
+        </p:txBody>
+      </p:sp>
+    </p:spTree>
+  </p:cSld>
+  <p:clrMapOvr>
+    <a:masterClrMapping/>
+  </p:clrMapOvr>
+</p:sld>
+</file>
+
+<file path=ppt/slides/slide17.xml><?xml version="1.0" encoding="utf-8"?>
+<p:sld xmlns:a="http://schemas.openxmlformats.org/drawingml/2006/main" xmlns:r="http://schemas.openxmlformats.org/officeDocument/2006/relationships" xmlns:p="http://schemas.openxmlformats.org/presentationml/2006/main">
+  <p:cSld>
+    <p:spTree>
+      <p:nvGrpSpPr>
+        <p:cNvPr id="1" name=""/>
+        <p:cNvGrpSpPr/>
+        <p:nvPr/>
+      </p:nvGrpSpPr>
+      <p:grpSpPr>
+        <a:xfrm>
+          <a:off x="0" y="0"/>
+          <a:ext cx="0" cy="0"/>
+          <a:chOff x="0" y="0"/>
+          <a:chExt cx="0" cy="0"/>
+        </a:xfrm>
+      </p:grpSpPr>
+      <p:sp>
+        <p:nvSpPr>
+          <p:cNvPr id="2" name="標題 1"/>
+          <p:cNvSpPr>
+            <a:spLocks noGrp="1"/>
+          </p:cNvSpPr>
+          <p:nvPr>
+            <p:ph type="title"/>
+          </p:nvPr>
+        </p:nvSpPr>
+        <p:spPr/>
+        <p:txBody>
+          <a:bodyPr>
+            <a:normAutofit/>
+          </a:bodyPr>
+          <a:lstStyle/>
+          <a:p>
+            <a:r>
+              <a:rPr lang="zh-TW" altLang="en-US" sz="4000" b="1" dirty="0" smtClean="0">
+                <a:solidFill>
+                  <a:srgbClr val="660033"/>
+                </a:solidFill>
+                <a:latin typeface="微軟正黑體" pitchFamily="34" charset="-120"/>
+                <a:ea typeface="微軟正黑體" pitchFamily="34" charset="-120"/>
+              </a:rPr>
+              <a:t>平安</a:t>
+            </a:r>
+            <a:endParaRPr lang="zh-TW" altLang="en-US" sz="4000" b="1" dirty="0">
+              <a:solidFill>
+                <a:srgbClr val="660033"/>
+              </a:solidFill>
+              <a:latin typeface="微軟正黑體" pitchFamily="34" charset="-120"/>
+              <a:ea typeface="微軟正黑體" pitchFamily="34" charset="-120"/>
+            </a:endParaRPr>
+          </a:p>
+        </p:txBody>
+      </p:sp>
+      <p:sp>
+        <p:nvSpPr>
+          <p:cNvPr id="3" name="內容版面配置區 2"/>
+          <p:cNvSpPr>
+            <a:spLocks noGrp="1"/>
+          </p:cNvSpPr>
+          <p:nvPr>
+            <p:ph idx="1"/>
+          </p:nvPr>
+        </p:nvSpPr>
+        <p:spPr/>
+        <p:txBody>
+          <a:bodyPr>
+            <a:normAutofit/>
+          </a:bodyPr>
+          <a:lstStyle/>
+          <a:p>
+            <a:pPr algn="ctr">
+              <a:buNone/>
+            </a:pPr>
+            <a:r>
+              <a:rPr lang="zh-TW" altLang="en-US" sz="4400" b="1" dirty="0" smtClean="0">
+                <a:solidFill>
+                  <a:srgbClr val="660033"/>
+                </a:solidFill>
+                <a:latin typeface="微軟正黑體" pitchFamily="34" charset="-120"/>
+                <a:ea typeface="微軟正黑體" pitchFamily="34" charset="-120"/>
+              </a:rPr>
+              <a:t>主 祢賜下這平安</a:t>
+            </a:r>
+            <a:endParaRPr lang="en-US" altLang="zh-TW" sz="4400" b="1" dirty="0" smtClean="0">
+              <a:solidFill>
+                <a:srgbClr val="660033"/>
+              </a:solidFill>
+              <a:latin typeface="微軟正黑體" pitchFamily="34" charset="-120"/>
+              <a:ea typeface="微軟正黑體" pitchFamily="34" charset="-120"/>
+            </a:endParaRPr>
+          </a:p>
+          <a:p>
+            <a:pPr algn="ctr">
+              <a:buNone/>
+            </a:pPr>
+            <a:r>
+              <a:rPr lang="zh-TW" altLang="en-US" sz="4400" b="1" dirty="0" smtClean="0">
+                <a:solidFill>
+                  <a:srgbClr val="660033"/>
+                </a:solidFill>
+                <a:latin typeface="微軟正黑體" pitchFamily="34" charset="-120"/>
+                <a:ea typeface="微軟正黑體" pitchFamily="34" charset="-120"/>
+              </a:rPr>
+              <a:t>是用重價換來的</a:t>
+            </a:r>
+            <a:r>
+              <a:rPr lang="zh-CN" altLang="en-US" sz="4400" b="1" dirty="0" smtClean="0">
+                <a:solidFill>
+                  <a:srgbClr val="660033"/>
+                </a:solidFill>
+                <a:latin typeface="微軟正黑體" pitchFamily="34" charset="-120"/>
+                <a:ea typeface="微軟正黑體" pitchFamily="34" charset="-120"/>
+              </a:rPr>
+              <a:t>恩典</a:t>
+            </a:r>
+            <a:endParaRPr lang="en-US" altLang="zh-TW" sz="4400" b="1" dirty="0" smtClean="0">
+              <a:solidFill>
+                <a:srgbClr val="660033"/>
+              </a:solidFill>
+              <a:latin typeface="微軟正黑體" pitchFamily="34" charset="-120"/>
+              <a:ea typeface="微軟正黑體" pitchFamily="34" charset="-120"/>
+            </a:endParaRPr>
+          </a:p>
+          <a:p>
+            <a:pPr algn="ctr">
+              <a:buNone/>
+            </a:pPr>
+            <a:r>
+              <a:rPr lang="zh-TW" altLang="en-US" sz="4400" b="1" dirty="0" smtClean="0">
+                <a:solidFill>
+                  <a:srgbClr val="660033"/>
+                </a:solidFill>
+                <a:latin typeface="微軟正黑體" pitchFamily="34" charset="-120"/>
+                <a:ea typeface="微軟正黑體" pitchFamily="34" charset="-120"/>
+              </a:rPr>
+              <a:t>受鞭傷使我得醫治</a:t>
+            </a:r>
+            <a:endParaRPr lang="en-US" altLang="zh-TW" sz="4400" b="1" dirty="0" smtClean="0">
+              <a:solidFill>
+                <a:srgbClr val="660033"/>
+              </a:solidFill>
+              <a:latin typeface="微軟正黑體" pitchFamily="34" charset="-120"/>
+              <a:ea typeface="微軟正黑體" pitchFamily="34" charset="-120"/>
+            </a:endParaRPr>
+          </a:p>
+          <a:p>
+            <a:pPr algn="ctr">
+              <a:buNone/>
+            </a:pPr>
+            <a:r>
+              <a:rPr lang="zh-TW" altLang="en-US" sz="4400" b="1" dirty="0" smtClean="0">
+                <a:solidFill>
+                  <a:srgbClr val="660033"/>
+                </a:solidFill>
+                <a:latin typeface="微軟正黑體" pitchFamily="34" charset="-120"/>
+                <a:ea typeface="微軟正黑體" pitchFamily="34" charset="-120"/>
+              </a:rPr>
+              <a:t>受刑罰讓我得到赦免</a:t>
+            </a:r>
+          </a:p>
+        </p:txBody>
+      </p:sp>
+      <p:sp>
+        <p:nvSpPr>
+          <p:cNvPr id="4" name="文字方塊 3"/>
+          <p:cNvSpPr txBox="1"/>
+          <p:nvPr/>
+        </p:nvSpPr>
+        <p:spPr>
+          <a:xfrm>
+            <a:off x="0" y="4500576"/>
+            <a:ext cx="9144000" cy="400110"/>
+          </a:xfrm>
+          <a:prstGeom prst="rect">
+            <a:avLst/>
+          </a:prstGeom>
+          <a:noFill/>
+        </p:spPr>
+        <p:txBody>
+          <a:bodyPr wrap="square" rtlCol="0">
+            <a:spAutoFit/>
+          </a:bodyPr>
+          <a:lstStyle/>
+          <a:p>
+            <a:pPr algn="ctr"/>
+            <a:r>
+              <a:rPr lang="en-US" altLang="zh-TW" sz="2000" b="1" dirty="0" smtClean="0">
+                <a:solidFill>
+                  <a:srgbClr val="660033"/>
+                </a:solidFill>
+              </a:rPr>
+              <a:t>( Chorus 2 )</a:t>
+            </a:r>
+            <a:endParaRPr lang="zh-TW" altLang="en-US" sz="2000" b="1" dirty="0">
+              <a:solidFill>
+                <a:srgbClr val="660033"/>
+              </a:solidFill>
+            </a:endParaRPr>
+          </a:p>
+        </p:txBody>
+      </p:sp>
+    </p:spTree>
+  </p:cSld>
+  <p:clrMapOvr>
+    <a:masterClrMapping/>
+  </p:clrMapOvr>
+</p:sld>
+</file>
+
+<file path=ppt/slides/slide18.xml><?xml version="1.0" encoding="utf-8"?>
+<p:sld xmlns:a="http://schemas.openxmlformats.org/drawingml/2006/main" xmlns:r="http://schemas.openxmlformats.org/officeDocument/2006/relationships" xmlns:p="http://schemas.openxmlformats.org/presentationml/2006/main">
+  <p:cSld>
+    <p:spTree>
+      <p:nvGrpSpPr>
+        <p:cNvPr id="1" name=""/>
+        <p:cNvGrpSpPr/>
+        <p:nvPr/>
+      </p:nvGrpSpPr>
+      <p:grpSpPr>
+        <a:xfrm>
+          <a:off x="0" y="0"/>
+          <a:ext cx="0" cy="0"/>
+          <a:chOff x="0" y="0"/>
+          <a:chExt cx="0" cy="0"/>
+        </a:xfrm>
+      </p:grpSpPr>
+      <p:sp>
+        <p:nvSpPr>
+          <p:cNvPr id="2" name="標題 1"/>
+          <p:cNvSpPr>
+            <a:spLocks noGrp="1"/>
+          </p:cNvSpPr>
+          <p:nvPr>
+            <p:ph type="title"/>
+          </p:nvPr>
+        </p:nvSpPr>
+        <p:spPr/>
+        <p:txBody>
+          <a:bodyPr>
+            <a:normAutofit/>
+          </a:bodyPr>
+          <a:lstStyle/>
+          <a:p>
+            <a:r>
+              <a:rPr lang="zh-TW" altLang="en-US" sz="4000" b="1" dirty="0" smtClean="0">
+                <a:solidFill>
+                  <a:srgbClr val="660033"/>
+                </a:solidFill>
+                <a:latin typeface="微軟正黑體" pitchFamily="34" charset="-120"/>
+                <a:ea typeface="微軟正黑體" pitchFamily="34" charset="-120"/>
+              </a:rPr>
+              <a:t>平安</a:t>
+            </a:r>
+            <a:endParaRPr lang="zh-TW" altLang="en-US" sz="4000" b="1" dirty="0">
+              <a:solidFill>
+                <a:srgbClr val="660033"/>
+              </a:solidFill>
+              <a:latin typeface="微軟正黑體" pitchFamily="34" charset="-120"/>
+              <a:ea typeface="微軟正黑體" pitchFamily="34" charset="-120"/>
+            </a:endParaRPr>
+          </a:p>
+        </p:txBody>
+      </p:sp>
+      <p:sp>
+        <p:nvSpPr>
+          <p:cNvPr id="3" name="內容版面配置區 2"/>
+          <p:cNvSpPr>
+            <a:spLocks noGrp="1"/>
+          </p:cNvSpPr>
+          <p:nvPr>
+            <p:ph idx="1"/>
+          </p:nvPr>
+        </p:nvSpPr>
+        <p:spPr/>
+        <p:txBody>
+          <a:bodyPr>
+            <a:normAutofit/>
+          </a:bodyPr>
+          <a:lstStyle/>
+          <a:p>
+            <a:pPr algn="ctr">
+              <a:buNone/>
+            </a:pPr>
+            <a:r>
+              <a:rPr lang="zh-TW" altLang="en-US" sz="4400" b="1" dirty="0" smtClean="0">
+                <a:solidFill>
+                  <a:srgbClr val="660033"/>
+                </a:solidFill>
+                <a:latin typeface="微軟正黑體" pitchFamily="34" charset="-120"/>
+                <a:ea typeface="微軟正黑體" pitchFamily="34" charset="-120"/>
+              </a:rPr>
+              <a:t>主  祢賜下平安</a:t>
+            </a:r>
+            <a:endParaRPr lang="en-US" altLang="zh-TW" sz="4400" b="1" dirty="0" smtClean="0">
+              <a:solidFill>
+                <a:srgbClr val="660033"/>
+              </a:solidFill>
+              <a:latin typeface="微軟正黑體" pitchFamily="34" charset="-120"/>
+              <a:ea typeface="微軟正黑體" pitchFamily="34" charset="-120"/>
+            </a:endParaRPr>
+          </a:p>
+          <a:p>
+            <a:pPr algn="ctr">
+              <a:buNone/>
+            </a:pPr>
+            <a:r>
+              <a:rPr lang="zh-TW" altLang="en-US" sz="4400" b="1" dirty="0" smtClean="0">
+                <a:solidFill>
+                  <a:srgbClr val="660033"/>
+                </a:solidFill>
+                <a:latin typeface="微軟正黑體" pitchFamily="34" charset="-120"/>
+                <a:ea typeface="微軟正黑體" pitchFamily="34" charset="-120"/>
+              </a:rPr>
+              <a:t>不像世人所賜</a:t>
+            </a:r>
+            <a:endParaRPr lang="en-US" altLang="zh-TW" sz="4400" b="1" dirty="0" smtClean="0">
+              <a:solidFill>
+                <a:srgbClr val="660033"/>
+              </a:solidFill>
+              <a:latin typeface="微軟正黑體" pitchFamily="34" charset="-120"/>
+              <a:ea typeface="微軟正黑體" pitchFamily="34" charset="-120"/>
+            </a:endParaRPr>
+          </a:p>
+          <a:p>
+            <a:pPr algn="ctr">
+              <a:buNone/>
+            </a:pPr>
+            <a:r>
+              <a:rPr lang="zh-TW" altLang="en-US" sz="4400" b="1" dirty="0" smtClean="0">
+                <a:solidFill>
+                  <a:srgbClr val="660033"/>
+                </a:solidFill>
+                <a:latin typeface="微軟正黑體" pitchFamily="34" charset="-120"/>
+                <a:ea typeface="微軟正黑體" pitchFamily="34" charset="-120"/>
+              </a:rPr>
+              <a:t>我的心 不必再憂愁</a:t>
+            </a:r>
+            <a:endParaRPr lang="en-US" altLang="zh-TW" sz="4400" b="1" dirty="0" smtClean="0">
+              <a:solidFill>
+                <a:srgbClr val="660033"/>
+              </a:solidFill>
+              <a:latin typeface="微軟正黑體" pitchFamily="34" charset="-120"/>
+              <a:ea typeface="微軟正黑體" pitchFamily="34" charset="-120"/>
+            </a:endParaRPr>
+          </a:p>
+          <a:p>
+            <a:pPr algn="ctr">
+              <a:buNone/>
+            </a:pPr>
+            <a:r>
+              <a:rPr lang="zh-TW" altLang="en-US" sz="4400" b="1" dirty="0" smtClean="0">
+                <a:solidFill>
+                  <a:srgbClr val="660033"/>
+                </a:solidFill>
+                <a:latin typeface="微軟正黑體" pitchFamily="34" charset="-120"/>
+                <a:ea typeface="微軟正黑體" pitchFamily="34" charset="-120"/>
+              </a:rPr>
+              <a:t>也不用膽怯 </a:t>
+            </a:r>
+          </a:p>
+        </p:txBody>
+      </p:sp>
+      <p:sp>
+        <p:nvSpPr>
+          <p:cNvPr id="4" name="文字方塊 3"/>
+          <p:cNvSpPr txBox="1"/>
+          <p:nvPr/>
+        </p:nvSpPr>
+        <p:spPr>
+          <a:xfrm>
+            <a:off x="0" y="4500576"/>
+            <a:ext cx="9144000" cy="400110"/>
+          </a:xfrm>
+          <a:prstGeom prst="rect">
+            <a:avLst/>
+          </a:prstGeom>
+          <a:noFill/>
+        </p:spPr>
+        <p:txBody>
+          <a:bodyPr wrap="square" rtlCol="0">
+            <a:spAutoFit/>
+          </a:bodyPr>
+          <a:lstStyle/>
+          <a:p>
+            <a:pPr algn="ctr"/>
+            <a:r>
+              <a:rPr lang="en-US" altLang="zh-TW" sz="2000" b="1" dirty="0" smtClean="0">
+                <a:solidFill>
+                  <a:srgbClr val="660033"/>
+                </a:solidFill>
+              </a:rPr>
+              <a:t>( Chorus 1 )</a:t>
+            </a:r>
+            <a:endParaRPr lang="zh-TW" altLang="en-US" sz="2000" b="1" dirty="0">
+              <a:solidFill>
+                <a:srgbClr val="660033"/>
+              </a:solidFill>
+            </a:endParaRPr>
+          </a:p>
+        </p:txBody>
+      </p:sp>
+    </p:spTree>
+  </p:cSld>
+  <p:clrMapOvr>
+    <a:masterClrMapping/>
+  </p:clrMapOvr>
+</p:sld>
+</file>
+
+<file path=ppt/slides/slide19.xml><?xml version="1.0" encoding="utf-8"?>
+<p:sld xmlns:a="http://schemas.openxmlformats.org/drawingml/2006/main" xmlns:r="http://schemas.openxmlformats.org/officeDocument/2006/relationships" xmlns:p="http://schemas.openxmlformats.org/presentationml/2006/main">
+  <p:cSld>
+    <p:spTree>
+      <p:nvGrpSpPr>
+        <p:cNvPr id="1" name=""/>
+        <p:cNvGrpSpPr/>
+        <p:nvPr/>
+      </p:nvGrpSpPr>
+      <p:grpSpPr>
+        <a:xfrm>
+          <a:off x="0" y="0"/>
+          <a:ext cx="0" cy="0"/>
+          <a:chOff x="0" y="0"/>
+          <a:chExt cx="0" cy="0"/>
+        </a:xfrm>
+      </p:grpSpPr>
+      <p:sp>
+        <p:nvSpPr>
+          <p:cNvPr id="2" name="標題 1"/>
+          <p:cNvSpPr>
+            <a:spLocks noGrp="1"/>
+          </p:cNvSpPr>
+          <p:nvPr>
+            <p:ph type="title"/>
+          </p:nvPr>
+        </p:nvSpPr>
+        <p:spPr/>
+        <p:txBody>
+          <a:bodyPr>
+            <a:normAutofit/>
+          </a:bodyPr>
+          <a:lstStyle/>
+          <a:p>
+            <a:r>
+              <a:rPr lang="zh-TW" altLang="en-US" sz="4000" b="1" dirty="0" smtClean="0">
+                <a:solidFill>
+                  <a:srgbClr val="660033"/>
+                </a:solidFill>
+                <a:latin typeface="微軟正黑體" pitchFamily="34" charset="-120"/>
+                <a:ea typeface="微軟正黑體" pitchFamily="34" charset="-120"/>
+              </a:rPr>
+              <a:t>平安</a:t>
+            </a:r>
+            <a:endParaRPr lang="zh-TW" altLang="en-US" sz="4000" b="1" dirty="0">
+              <a:solidFill>
+                <a:srgbClr val="660033"/>
+              </a:solidFill>
+              <a:latin typeface="微軟正黑體" pitchFamily="34" charset="-120"/>
+              <a:ea typeface="微軟正黑體" pitchFamily="34" charset="-120"/>
+            </a:endParaRPr>
+          </a:p>
+        </p:txBody>
+      </p:sp>
+      <p:sp>
+        <p:nvSpPr>
+          <p:cNvPr id="3" name="內容版面配置區 2"/>
+          <p:cNvSpPr>
+            <a:spLocks noGrp="1"/>
+          </p:cNvSpPr>
+          <p:nvPr>
+            <p:ph idx="1"/>
+          </p:nvPr>
+        </p:nvSpPr>
+        <p:spPr/>
+        <p:txBody>
+          <a:bodyPr>
+            <a:normAutofit/>
+          </a:bodyPr>
+          <a:lstStyle/>
+          <a:p>
+            <a:pPr algn="ctr">
+              <a:buNone/>
+            </a:pPr>
+            <a:r>
+              <a:rPr lang="zh-TW" altLang="en-US" sz="4400" b="1" dirty="0" smtClean="0">
+                <a:solidFill>
+                  <a:srgbClr val="660033"/>
+                </a:solidFill>
+                <a:latin typeface="微軟正黑體" pitchFamily="34" charset="-120"/>
+                <a:ea typeface="微軟正黑體" pitchFamily="34" charset="-120"/>
+              </a:rPr>
+              <a:t>主 祢賜下這平安</a:t>
+            </a:r>
+            <a:endParaRPr lang="en-US" altLang="zh-TW" sz="4400" b="1" dirty="0" smtClean="0">
+              <a:solidFill>
+                <a:srgbClr val="660033"/>
+              </a:solidFill>
+              <a:latin typeface="微軟正黑體" pitchFamily="34" charset="-120"/>
+              <a:ea typeface="微軟正黑體" pitchFamily="34" charset="-120"/>
+            </a:endParaRPr>
+          </a:p>
+          <a:p>
+            <a:pPr algn="ctr">
+              <a:buNone/>
+            </a:pPr>
+            <a:r>
+              <a:rPr lang="zh-TW" altLang="en-US" sz="4400" b="1" dirty="0" smtClean="0">
+                <a:solidFill>
+                  <a:srgbClr val="660033"/>
+                </a:solidFill>
+                <a:latin typeface="微軟正黑體" pitchFamily="34" charset="-120"/>
+                <a:ea typeface="微軟正黑體" pitchFamily="34" charset="-120"/>
+              </a:rPr>
+              <a:t>是用重價換來的</a:t>
+            </a:r>
+            <a:r>
+              <a:rPr lang="zh-CN" altLang="en-US" sz="4400" b="1" dirty="0" smtClean="0">
+                <a:solidFill>
+                  <a:srgbClr val="660033"/>
+                </a:solidFill>
+                <a:latin typeface="微軟正黑體" pitchFamily="34" charset="-120"/>
+                <a:ea typeface="微軟正黑體" pitchFamily="34" charset="-120"/>
+              </a:rPr>
+              <a:t>恩典</a:t>
+            </a:r>
+            <a:endParaRPr lang="en-US" altLang="zh-TW" sz="4400" b="1" dirty="0" smtClean="0">
+              <a:solidFill>
+                <a:srgbClr val="660033"/>
+              </a:solidFill>
+              <a:latin typeface="微軟正黑體" pitchFamily="34" charset="-120"/>
+              <a:ea typeface="微軟正黑體" pitchFamily="34" charset="-120"/>
+            </a:endParaRPr>
+          </a:p>
+          <a:p>
+            <a:pPr algn="ctr">
+              <a:buNone/>
+            </a:pPr>
+            <a:r>
+              <a:rPr lang="zh-TW" altLang="en-US" sz="4400" b="1" dirty="0" smtClean="0">
+                <a:solidFill>
+                  <a:srgbClr val="660033"/>
+                </a:solidFill>
+                <a:latin typeface="微軟正黑體" pitchFamily="34" charset="-120"/>
+                <a:ea typeface="微軟正黑體" pitchFamily="34" charset="-120"/>
+              </a:rPr>
+              <a:t>受鞭傷使我得醫治</a:t>
+            </a:r>
+            <a:endParaRPr lang="en-US" altLang="zh-TW" sz="4400" b="1" dirty="0" smtClean="0">
+              <a:solidFill>
+                <a:srgbClr val="660033"/>
+              </a:solidFill>
+              <a:latin typeface="微軟正黑體" pitchFamily="34" charset="-120"/>
+              <a:ea typeface="微軟正黑體" pitchFamily="34" charset="-120"/>
+            </a:endParaRPr>
+          </a:p>
+          <a:p>
+            <a:pPr algn="ctr">
+              <a:buNone/>
+            </a:pPr>
+            <a:r>
+              <a:rPr lang="zh-TW" altLang="en-US" sz="4400" b="1" dirty="0" smtClean="0">
+                <a:solidFill>
+                  <a:srgbClr val="660033"/>
+                </a:solidFill>
+                <a:latin typeface="微軟正黑體" pitchFamily="34" charset="-120"/>
+                <a:ea typeface="微軟正黑體" pitchFamily="34" charset="-120"/>
+              </a:rPr>
+              <a:t>受刑罰讓我得到赦免</a:t>
+            </a:r>
+          </a:p>
+        </p:txBody>
+      </p:sp>
+      <p:sp>
+        <p:nvSpPr>
+          <p:cNvPr id="4" name="文字方塊 3"/>
+          <p:cNvSpPr txBox="1"/>
+          <p:nvPr/>
+        </p:nvSpPr>
+        <p:spPr>
+          <a:xfrm>
+            <a:off x="0" y="4500576"/>
+            <a:ext cx="9144000" cy="400110"/>
+          </a:xfrm>
+          <a:prstGeom prst="rect">
+            <a:avLst/>
+          </a:prstGeom>
+          <a:noFill/>
+        </p:spPr>
+        <p:txBody>
+          <a:bodyPr wrap="square" rtlCol="0">
+            <a:spAutoFit/>
+          </a:bodyPr>
+          <a:lstStyle/>
+          <a:p>
+            <a:pPr algn="ctr"/>
+            <a:r>
+              <a:rPr lang="en-US" altLang="zh-TW" sz="2000" b="1" dirty="0" smtClean="0">
+                <a:solidFill>
+                  <a:srgbClr val="660033"/>
+                </a:solidFill>
+              </a:rPr>
+              <a:t>( Chorus 2 )</a:t>
+            </a:r>
+            <a:endParaRPr lang="zh-TW" altLang="en-US" sz="2000" b="1" dirty="0">
+              <a:solidFill>
+                <a:srgbClr val="660033"/>
+              </a:solidFill>
+            </a:endParaRPr>
           </a:p>
         </p:txBody>
       </p:sp>
@@ -4510,47 +6048,109 @@
           <a:lstStyle/>
           <a:p>
             <a:r>
+              <a:rPr lang="zh-TW" altLang="en-US" sz="3600" b="1" dirty="0">
+                <a:solidFill>
+                  <a:srgbClr val="002060"/>
+                </a:solidFill>
+                <a:latin typeface="微軟正黑體" pitchFamily="34" charset="-120"/>
+                <a:ea typeface="微軟正黑體" pitchFamily="34" charset="-120"/>
+              </a:rPr>
+              <a:t>信心的等待</a:t>
+            </a:r>
+          </a:p>
+        </p:txBody>
+      </p:sp>
+      <p:sp>
+        <p:nvSpPr>
+          <p:cNvPr id="3" name="內容版面配置區 2"/>
+          <p:cNvSpPr>
+            <a:spLocks noGrp="1"/>
+          </p:cNvSpPr>
+          <p:nvPr>
+            <p:ph idx="1"/>
+          </p:nvPr>
+        </p:nvSpPr>
+        <p:spPr>
+          <a:xfrm>
+            <a:off x="457200" y="1200150"/>
+            <a:ext cx="8229600" cy="3943350"/>
+          </a:xfrm>
+        </p:spPr>
+        <p:txBody>
+          <a:bodyPr>
+            <a:noAutofit/>
+          </a:bodyPr>
+          <a:lstStyle/>
+          <a:p>
+            <a:pPr algn="ctr">
+              <a:buNone/>
+            </a:pPr>
+            <a:r>
+              <a:rPr lang="zh-TW" altLang="en-US" sz="4000" b="1" dirty="0">
+                <a:solidFill>
+                  <a:srgbClr val="002060"/>
+                </a:solidFill>
+                <a:latin typeface="微軟正黑體" pitchFamily="34" charset="-120"/>
+                <a:ea typeface="微軟正黑體" pitchFamily="34" charset="-120"/>
+              </a:rPr>
+              <a:t>明天怎麼你還是</a:t>
+            </a:r>
+            <a:r>
               <a:rPr lang="zh-TW" altLang="en-US" sz="4000" b="1" dirty="0" smtClean="0">
-                <a:latin typeface="微軟正黑體" pitchFamily="34" charset="-120"/>
-                <a:ea typeface="微軟正黑體" pitchFamily="34" charset="-120"/>
-              </a:rPr>
-              <a:t>平安</a:t>
-            </a:r>
-            <a:endParaRPr lang="zh-TW" altLang="en-US" sz="4000" b="1" dirty="0">
+                <a:solidFill>
+                  <a:srgbClr val="002060"/>
+                </a:solidFill>
+                <a:latin typeface="微軟正黑體" pitchFamily="34" charset="-120"/>
+                <a:ea typeface="微軟正黑體" pitchFamily="34" charset="-120"/>
+              </a:rPr>
+              <a:t>不知道</a:t>
+            </a:r>
+            <a:endParaRPr lang="en-US" altLang="zh-TW" sz="4000" b="1" dirty="0" smtClean="0">
+              <a:solidFill>
+                <a:srgbClr val="002060"/>
+              </a:solidFill>
               <a:latin typeface="微軟正黑體" pitchFamily="34" charset="-120"/>
               <a:ea typeface="微軟正黑體" pitchFamily="34" charset="-120"/>
             </a:endParaRPr>
           </a:p>
-        </p:txBody>
-      </p:sp>
-      <p:sp>
-        <p:nvSpPr>
-          <p:cNvPr id="3" name="內容版面配置區 2"/>
-          <p:cNvSpPr>
-            <a:spLocks noGrp="1"/>
-          </p:cNvSpPr>
-          <p:nvPr>
-            <p:ph idx="1"/>
-          </p:nvPr>
-        </p:nvSpPr>
-        <p:spPr/>
-        <p:txBody>
-          <a:bodyPr>
-            <a:normAutofit/>
-          </a:bodyPr>
-          <a:lstStyle/>
-          <a:p>
-            <a:pPr algn="ctr">
-              <a:buNone/>
-            </a:pPr>
-            <a:r>
-              <a:rPr lang="zh-TW" altLang="en-US" sz="4400" b="1" dirty="0" smtClean="0">
-                <a:latin typeface="微軟正黑體" pitchFamily="34" charset="-120"/>
-                <a:ea typeface="微軟正黑體" pitchFamily="34" charset="-120"/>
-              </a:rPr>
-              <a:t>就算世界刮著狂風暴雨 </a:t>
-            </a:r>
-            <a:endParaRPr lang="en-US" altLang="zh-TW" sz="4400" b="1" dirty="0" smtClean="0">
+          <a:p>
+            <a:pPr algn="ctr">
+              <a:buNone/>
+            </a:pPr>
+            <a:r>
+              <a:rPr lang="zh-TW" altLang="en-US" sz="4000" b="1" dirty="0" smtClean="0">
+                <a:solidFill>
+                  <a:srgbClr val="002060"/>
+                </a:solidFill>
+                <a:latin typeface="微軟正黑體" pitchFamily="34" charset="-120"/>
+                <a:ea typeface="微軟正黑體" pitchFamily="34" charset="-120"/>
+              </a:rPr>
+              <a:t>越</a:t>
+            </a:r>
+            <a:r>
+              <a:rPr lang="zh-TW" altLang="en-US" sz="4000" b="1" dirty="0">
+                <a:solidFill>
+                  <a:srgbClr val="002060"/>
+                </a:solidFill>
+                <a:latin typeface="微軟正黑體" pitchFamily="34" charset="-120"/>
+                <a:ea typeface="微軟正黑體" pitchFamily="34" charset="-120"/>
+              </a:rPr>
+              <a:t>想得到的總會得</a:t>
+            </a:r>
+            <a:r>
+              <a:rPr lang="zh-TW" altLang="en-US" sz="4000" b="1" dirty="0" smtClean="0">
+                <a:solidFill>
+                  <a:srgbClr val="002060"/>
+                </a:solidFill>
+                <a:latin typeface="微軟正黑體" pitchFamily="34" charset="-120"/>
+                <a:ea typeface="微軟正黑體" pitchFamily="34" charset="-120"/>
+              </a:rPr>
+              <a:t>不到</a:t>
+            </a:r>
+            <a:endParaRPr lang="en-US" altLang="zh-TW" sz="4000" b="1" dirty="0">
+              <a:solidFill>
+                <a:srgbClr val="002060"/>
+              </a:solidFill>
               <a:latin typeface="微軟正黑體" pitchFamily="34" charset="-120"/>
               <a:ea typeface="微軟正黑體" pitchFamily="34" charset="-120"/>
             </a:endParaRPr>
@@ -4560,13 +6160,39 @@
               <a:buNone/>
             </a:pPr>
             <a:r>
-              <a:rPr lang="zh-TW" altLang="en-US" sz="4400" b="1" dirty="0" smtClean="0">
-                <a:latin typeface="微軟正黑體" pitchFamily="34" charset="-120"/>
-                <a:ea typeface="微軟正黑體" pitchFamily="34" charset="-120"/>
-              </a:rPr>
-              <a:t>我心仍是穩妥安舒 </a:t>
-            </a:r>
-            <a:endParaRPr lang="en-US" altLang="zh-TW" sz="4400" b="1" dirty="0" smtClean="0">
+              <a:rPr lang="zh-TW" altLang="en-US" sz="4000" b="1" dirty="0" smtClean="0">
+                <a:solidFill>
+                  <a:srgbClr val="002060"/>
+                </a:solidFill>
+                <a:latin typeface="微軟正黑體" pitchFamily="34" charset="-120"/>
+                <a:ea typeface="微軟正黑體" pitchFamily="34" charset="-120"/>
+              </a:rPr>
+              <a:t>人</a:t>
+            </a:r>
+            <a:r>
+              <a:rPr lang="zh-TW" altLang="en-US" sz="4000" b="1" dirty="0">
+                <a:solidFill>
+                  <a:srgbClr val="002060"/>
+                </a:solidFill>
+                <a:latin typeface="微軟正黑體" pitchFamily="34" charset="-120"/>
+                <a:ea typeface="微軟正黑體" pitchFamily="34" charset="-120"/>
+              </a:rPr>
+              <a:t>生就像一片</a:t>
+            </a:r>
+            <a:r>
+              <a:rPr lang="zh-TW" altLang="en-US" sz="4000" b="1" dirty="0" smtClean="0">
+                <a:solidFill>
+                  <a:srgbClr val="002060"/>
+                </a:solidFill>
+                <a:latin typeface="微軟正黑體" pitchFamily="34" charset="-120"/>
+                <a:ea typeface="微軟正黑體" pitchFamily="34" charset="-120"/>
+              </a:rPr>
+              <a:t>雲霧</a:t>
+            </a:r>
+            <a:endParaRPr lang="en-US" altLang="zh-TW" sz="4000" b="1" dirty="0" smtClean="0">
+              <a:solidFill>
+                <a:srgbClr val="002060"/>
+              </a:solidFill>
               <a:latin typeface="微軟正黑體" pitchFamily="34" charset="-120"/>
               <a:ea typeface="微軟正黑體" pitchFamily="34" charset="-120"/>
             </a:endParaRPr>
@@ -4576,13 +6202,39 @@
               <a:buNone/>
             </a:pPr>
             <a:r>
-              <a:rPr lang="zh-TW" altLang="en-US" sz="4400" b="1" dirty="0" smtClean="0">
-                <a:latin typeface="微軟正黑體" pitchFamily="34" charset="-120"/>
-                <a:ea typeface="微軟正黑體" pitchFamily="34" charset="-120"/>
-              </a:rPr>
-              <a:t>無論前路灰暗 憂傷困倦 </a:t>
-            </a:r>
-            <a:endParaRPr lang="en-US" altLang="zh-TW" sz="4400" b="1" dirty="0" smtClean="0">
+              <a:rPr lang="zh-TW" altLang="en-US" sz="4000" b="1" dirty="0" smtClean="0">
+                <a:solidFill>
+                  <a:srgbClr val="002060"/>
+                </a:solidFill>
+                <a:latin typeface="微軟正黑體" pitchFamily="34" charset="-120"/>
+                <a:ea typeface="微軟正黑體" pitchFamily="34" charset="-120"/>
+              </a:rPr>
+              <a:t>出現</a:t>
+            </a:r>
+            <a:r>
+              <a:rPr lang="zh-TW" altLang="en-US" sz="4000" b="1" dirty="0">
+                <a:solidFill>
+                  <a:srgbClr val="002060"/>
+                </a:solidFill>
+                <a:latin typeface="微軟正黑體" pitchFamily="34" charset="-120"/>
+                <a:ea typeface="微軟正黑體" pitchFamily="34" charset="-120"/>
+              </a:rPr>
+              <a:t>少時就不</a:t>
+            </a:r>
+            <a:r>
+              <a:rPr lang="zh-TW" altLang="en-US" sz="4000" b="1" dirty="0" smtClean="0">
+                <a:solidFill>
+                  <a:srgbClr val="002060"/>
+                </a:solidFill>
+                <a:latin typeface="微軟正黑體" pitchFamily="34" charset="-120"/>
+                <a:ea typeface="微軟正黑體" pitchFamily="34" charset="-120"/>
+              </a:rPr>
+              <a:t>見到</a:t>
+            </a:r>
+            <a:endParaRPr lang="en-US" altLang="zh-TW" sz="4000" b="1" dirty="0" smtClean="0">
+              <a:solidFill>
+                <a:srgbClr val="002060"/>
+              </a:solidFill>
               <a:latin typeface="微軟正黑體" pitchFamily="34" charset="-120"/>
               <a:ea typeface="微軟正黑體" pitchFamily="34" charset="-120"/>
             </a:endParaRPr>
@@ -4592,51 +6244,31 @@
               <a:buNone/>
             </a:pPr>
             <a:r>
-              <a:rPr lang="zh-TW" altLang="en-US" sz="4400" b="1" dirty="0" smtClean="0">
-                <a:latin typeface="微軟正黑體" pitchFamily="34" charset="-120"/>
-                <a:ea typeface="微軟正黑體" pitchFamily="34" charset="-120"/>
-              </a:rPr>
-              <a:t>祢讓我站穩 磐石之處</a:t>
-            </a:r>
-            <a:endParaRPr lang="zh-TW" altLang="en-US" sz="4400" b="1" dirty="0">
+              <a:rPr lang="zh-TW" altLang="en-US" sz="4000" b="1" dirty="0" smtClean="0">
+                <a:solidFill>
+                  <a:srgbClr val="002060"/>
+                </a:solidFill>
+                <a:latin typeface="微軟正黑體" pitchFamily="34" charset="-120"/>
+                <a:ea typeface="微軟正黑體" pitchFamily="34" charset="-120"/>
+              </a:rPr>
+              <a:t>何必計較那得失終老</a:t>
+            </a:r>
+            <a:endParaRPr lang="en-US" altLang="zh-TW" sz="4000" b="1" dirty="0" smtClean="0">
+              <a:solidFill>
+                <a:srgbClr val="002060"/>
+              </a:solidFill>
               <a:latin typeface="微軟正黑體" pitchFamily="34" charset="-120"/>
               <a:ea typeface="微軟正黑體" pitchFamily="34" charset="-120"/>
             </a:endParaRPr>
           </a:p>
         </p:txBody>
       </p:sp>
-      <p:sp>
-        <p:nvSpPr>
-          <p:cNvPr id="4" name="文字方塊 3"/>
-          <p:cNvSpPr txBox="1"/>
-          <p:nvPr/>
-        </p:nvSpPr>
-        <p:spPr>
-          <a:xfrm>
-            <a:off x="0" y="4500576"/>
-            <a:ext cx="9144000" cy="400110"/>
-          </a:xfrm>
-          <a:prstGeom prst="rect">
-            <a:avLst/>
-          </a:prstGeom>
-          <a:noFill/>
-        </p:spPr>
-        <p:txBody>
-          <a:bodyPr wrap="square" rtlCol="0">
-            <a:spAutoFit/>
-          </a:bodyPr>
-          <a:lstStyle/>
-          <a:p>
-            <a:pPr algn="ctr"/>
-            <a:r>
-              <a:rPr lang="en-US" altLang="zh-TW" sz="2000" b="1" dirty="0" smtClean="0"/>
-              <a:t>( Verse 1 )</a:t>
-            </a:r>
-            <a:endParaRPr lang="zh-TW" altLang="en-US" sz="2000" b="1" dirty="0"/>
-          </a:p>
-        </p:txBody>
-      </p:sp>
     </p:spTree>
+    <p:extLst>
+      <p:ext uri="{BB962C8B-B14F-4D97-AF65-F5344CB8AC3E}">
+        <p14:creationId xmlns:p14="http://schemas.microsoft.com/office/powerpoint/2010/main" val="2710833245"/>
+      </p:ext>
+    </p:extLst>
   </p:cSld>
   <p:clrMapOvr>
     <a:masterClrMapping/>
@@ -4679,54 +6311,124 @@
           <a:lstStyle/>
           <a:p>
             <a:r>
-              <a:rPr lang="zh-TW" altLang="en-US" sz="4000" b="1" dirty="0" smtClean="0">
-                <a:latin typeface="微軟正黑體" pitchFamily="34" charset="-120"/>
-                <a:ea typeface="微軟正黑體" pitchFamily="34" charset="-120"/>
-              </a:rPr>
-              <a:t>平安</a:t>
-            </a:r>
-            <a:endParaRPr lang="zh-TW" altLang="en-US" sz="4000" b="1" dirty="0">
+              <a:rPr lang="zh-TW" altLang="en-US" sz="3600" b="1" dirty="0">
+                <a:solidFill>
+                  <a:srgbClr val="002060"/>
+                </a:solidFill>
+                <a:latin typeface="微軟正黑體" pitchFamily="34" charset="-120"/>
+                <a:ea typeface="微軟正黑體" pitchFamily="34" charset="-120"/>
+              </a:rPr>
+              <a:t>信心的等待</a:t>
+            </a:r>
+          </a:p>
+        </p:txBody>
+      </p:sp>
+      <p:sp>
+        <p:nvSpPr>
+          <p:cNvPr id="3" name="內容版面配置區 2"/>
+          <p:cNvSpPr>
+            <a:spLocks noGrp="1"/>
+          </p:cNvSpPr>
+          <p:nvPr>
+            <p:ph idx="1"/>
+          </p:nvPr>
+        </p:nvSpPr>
+        <p:spPr/>
+        <p:txBody>
+          <a:bodyPr>
+            <a:noAutofit/>
+          </a:bodyPr>
+          <a:lstStyle/>
+          <a:p>
+            <a:pPr algn="ctr">
+              <a:buNone/>
+            </a:pPr>
+            <a:r>
+              <a:rPr lang="zh-TW" altLang="en-US" sz="4400" b="1" dirty="0" smtClean="0">
+                <a:solidFill>
+                  <a:srgbClr val="002060"/>
+                </a:solidFill>
+                <a:latin typeface="微軟正黑體" pitchFamily="34" charset="-120"/>
+                <a:ea typeface="微軟正黑體" pitchFamily="34" charset="-120"/>
+              </a:rPr>
+              <a:t>在</a:t>
+            </a:r>
+            <a:r>
+              <a:rPr lang="zh-TW" altLang="en-US" sz="4400" b="1" dirty="0">
+                <a:solidFill>
+                  <a:srgbClr val="002060"/>
+                </a:solidFill>
+                <a:latin typeface="微軟正黑體" pitchFamily="34" charset="-120"/>
+                <a:ea typeface="微軟正黑體" pitchFamily="34" charset="-120"/>
+              </a:rPr>
+              <a:t>這幽谷之中我宣告</a:t>
+            </a:r>
+            <a:endParaRPr lang="en-US" altLang="zh-TW" sz="4400" b="1" dirty="0">
+              <a:solidFill>
+                <a:srgbClr val="002060"/>
+              </a:solidFill>
               <a:latin typeface="微軟正黑體" pitchFamily="34" charset="-120"/>
               <a:ea typeface="微軟正黑體" pitchFamily="34" charset="-120"/>
             </a:endParaRPr>
           </a:p>
-        </p:txBody>
-      </p:sp>
-      <p:sp>
-        <p:nvSpPr>
-          <p:cNvPr id="3" name="內容版面配置區 2"/>
-          <p:cNvSpPr>
-            <a:spLocks noGrp="1"/>
-          </p:cNvSpPr>
-          <p:nvPr>
-            <p:ph idx="1"/>
-          </p:nvPr>
-        </p:nvSpPr>
-        <p:spPr/>
-        <p:txBody>
-          <a:bodyPr>
-            <a:normAutofit/>
-          </a:bodyPr>
-          <a:lstStyle/>
-          <a:p>
-            <a:pPr algn="ctr">
-              <a:buNone/>
-            </a:pPr>
+          <a:p>
+            <a:pPr algn="ctr">
+              <a:buNone/>
+            </a:pPr>
+            <a:r>
+              <a:rPr lang="zh-TW" altLang="en-US" sz="4400" b="1" dirty="0">
+                <a:solidFill>
+                  <a:srgbClr val="002060"/>
+                </a:solidFill>
+                <a:latin typeface="微軟正黑體" pitchFamily="34" charset="-120"/>
+                <a:ea typeface="微軟正黑體" pitchFamily="34" charset="-120"/>
+              </a:rPr>
+              <a:t>不必怕因</a:t>
+            </a:r>
             <a:r>
               <a:rPr lang="zh-TW" altLang="en-US" sz="4400" b="1" dirty="0" smtClean="0">
-                <a:latin typeface="微軟正黑體" pitchFamily="34" charset="-120"/>
-                <a:ea typeface="微軟正黑體" pitchFamily="34" charset="-120"/>
-              </a:rPr>
-              <a:t>主 祢賜下</a:t>
+                <a:solidFill>
+                  <a:srgbClr val="002060"/>
+                </a:solidFill>
+                <a:latin typeface="微軟正黑體" pitchFamily="34" charset="-120"/>
+                <a:ea typeface="微軟正黑體" pitchFamily="34" charset="-120"/>
+              </a:rPr>
+              <a:t>有</a:t>
+            </a:r>
+            <a:r>
+              <a:rPr lang="zh-CN" altLang="en-US" sz="4400" b="1" dirty="0" smtClean="0">
+                <a:solidFill>
+                  <a:srgbClr val="002060"/>
+                </a:solidFill>
+                <a:latin typeface="微軟正黑體" pitchFamily="34" charset="-120"/>
+                <a:ea typeface="微軟正黑體" pitchFamily="34" charset="-120"/>
+              </a:rPr>
+              <a:t>袮</a:t>
             </a:r>
             <a:r>
               <a:rPr lang="zh-TW" altLang="en-US" sz="4400" b="1" dirty="0" smtClean="0">
-                <a:latin typeface="微軟正黑體" pitchFamily="34" charset="-120"/>
-                <a:ea typeface="微軟正黑體" pitchFamily="34" charset="-120"/>
-              </a:rPr>
-              <a:t>這平安</a:t>
-            </a:r>
-            <a:endParaRPr lang="en-US" altLang="zh-TW" sz="4400" b="1" dirty="0" smtClean="0">
+                <a:solidFill>
+                  <a:srgbClr val="002060"/>
+                </a:solidFill>
+                <a:latin typeface="微軟正黑體" pitchFamily="34" charset="-120"/>
+                <a:ea typeface="微軟正黑體" pitchFamily="34" charset="-120"/>
+              </a:rPr>
+              <a:t>同</a:t>
+            </a:r>
+            <a:r>
+              <a:rPr lang="zh-TW" altLang="en-US" sz="4400" b="1" dirty="0">
+                <a:solidFill>
+                  <a:srgbClr val="002060"/>
+                </a:solidFill>
+                <a:latin typeface="微軟正黑體" pitchFamily="34" charset="-120"/>
+                <a:ea typeface="微軟正黑體" pitchFamily="34" charset="-120"/>
+              </a:rPr>
+              <a:t>在</a:t>
+            </a:r>
+            <a:endParaRPr lang="en-US" altLang="zh-TW" sz="4400" b="1" dirty="0">
+              <a:solidFill>
+                <a:srgbClr val="002060"/>
+              </a:solidFill>
               <a:latin typeface="微軟正黑體" pitchFamily="34" charset="-120"/>
               <a:ea typeface="微軟正黑體" pitchFamily="34" charset="-120"/>
             </a:endParaRPr>
@@ -4736,27 +6438,19 @@
               <a:buNone/>
             </a:pPr>
             <a:r>
-              <a:rPr lang="zh-TW" altLang="en-US" sz="4400" b="1" dirty="0" smtClean="0">
-                <a:latin typeface="微軟正黑體" pitchFamily="34" charset="-120"/>
-                <a:ea typeface="微軟正黑體" pitchFamily="34" charset="-120"/>
-              </a:rPr>
-              <a:t>是用重價換來</a:t>
-            </a:r>
-            <a:r>
-              <a:rPr lang="zh-TW" altLang="en-US" sz="4400" b="1" dirty="0" smtClean="0">
-                <a:latin typeface="微軟正黑體" pitchFamily="34" charset="-120"/>
-                <a:ea typeface="微軟正黑體" pitchFamily="34" charset="-120"/>
-              </a:rPr>
-              <a:t>的</a:t>
-            </a:r>
-            <a:r>
-              <a:rPr lang="zh-CN" altLang="en-US" sz="4400" b="1" dirty="0" smtClean="0">
-                <a:latin typeface="微軟正黑體" pitchFamily="34" charset="-120"/>
-                <a:ea typeface="微軟正黑體" pitchFamily="34" charset="-120"/>
-              </a:rPr>
-              <a:t>恩典</a:t>
-            </a:r>
-            <a:endParaRPr lang="en-US" altLang="zh-TW" sz="4400" b="1" dirty="0" smtClean="0">
+              <a:rPr lang="zh-TW" altLang="en-US" sz="4400" b="1" dirty="0">
+                <a:solidFill>
+                  <a:srgbClr val="002060"/>
+                </a:solidFill>
+                <a:latin typeface="微軟正黑體" pitchFamily="34" charset="-120"/>
+                <a:ea typeface="微軟正黑體" pitchFamily="34" charset="-120"/>
+              </a:rPr>
+              <a:t>別人笑我為甚麼等待</a:t>
+            </a:r>
+            <a:endParaRPr lang="en-US" altLang="zh-TW" sz="4400" b="1" dirty="0">
+              <a:solidFill>
+                <a:srgbClr val="002060"/>
+              </a:solidFill>
               <a:latin typeface="微軟正黑體" pitchFamily="34" charset="-120"/>
               <a:ea typeface="微軟正黑體" pitchFamily="34" charset="-120"/>
             </a:endParaRPr>
@@ -4766,63 +6460,64 @@
               <a:buNone/>
             </a:pPr>
             <a:r>
+              <a:rPr lang="zh-TW" altLang="en-US" sz="4400" b="1" dirty="0">
+                <a:solidFill>
+                  <a:srgbClr val="002060"/>
+                </a:solidFill>
+                <a:latin typeface="微軟正黑體" pitchFamily="34" charset="-120"/>
+                <a:ea typeface="微軟正黑體" pitchFamily="34" charset="-120"/>
+              </a:rPr>
+              <a:t>因我知道盼望</a:t>
+            </a:r>
+            <a:r>
               <a:rPr lang="zh-TW" altLang="en-US" sz="4400" b="1" dirty="0" smtClean="0">
-                <a:latin typeface="微軟正黑體" pitchFamily="34" charset="-120"/>
-                <a:ea typeface="微軟正黑體" pitchFamily="34" charset="-120"/>
-              </a:rPr>
-              <a:t>受鞭傷使我得醫治</a:t>
-            </a:r>
-            <a:endParaRPr lang="en-US" altLang="zh-TW" sz="4400" b="1" dirty="0" smtClean="0">
-              <a:latin typeface="微軟正黑體" pitchFamily="34" charset="-120"/>
-              <a:ea typeface="微軟正黑體" pitchFamily="34" charset="-120"/>
-            </a:endParaRPr>
-          </a:p>
-          <a:p>
-            <a:pPr algn="ctr">
-              <a:buNone/>
-            </a:pPr>
+                <a:solidFill>
+                  <a:srgbClr val="002060"/>
+                </a:solidFill>
+                <a:latin typeface="微軟正黑體" pitchFamily="34" charset="-120"/>
+                <a:ea typeface="微軟正黑體" pitchFamily="34" charset="-120"/>
+              </a:rPr>
+              <a:t>因</a:t>
+            </a:r>
+            <a:r>
+              <a:rPr lang="zh-CN" altLang="en-US" sz="4400" b="1" dirty="0" smtClean="0">
+                <a:solidFill>
+                  <a:srgbClr val="002060"/>
+                </a:solidFill>
+                <a:latin typeface="微軟正黑體" pitchFamily="34" charset="-120"/>
+                <a:ea typeface="微軟正黑體" pitchFamily="34" charset="-120"/>
+              </a:rPr>
+              <a:t>袮</a:t>
+            </a:r>
             <a:r>
               <a:rPr lang="zh-TW" altLang="en-US" sz="4400" b="1" dirty="0" smtClean="0">
-                <a:latin typeface="微軟正黑體" pitchFamily="34" charset="-120"/>
-                <a:ea typeface="微軟正黑體" pitchFamily="34" charset="-120"/>
-              </a:rPr>
-              <a:t>受刑罰讓我得到赦免</a:t>
-            </a:r>
-          </a:p>
-        </p:txBody>
-      </p:sp>
-      <p:sp>
-        <p:nvSpPr>
-          <p:cNvPr id="4" name="文字方塊 3"/>
-          <p:cNvSpPr txBox="1"/>
-          <p:nvPr/>
-        </p:nvSpPr>
-        <p:spPr>
-          <a:xfrm>
-            <a:off x="0" y="4500576"/>
-            <a:ext cx="9144000" cy="400110"/>
-          </a:xfrm>
-          <a:prstGeom prst="rect">
-            <a:avLst/>
-          </a:prstGeom>
-          <a:noFill/>
-        </p:spPr>
-        <p:txBody>
-          <a:bodyPr wrap="square" rtlCol="0">
-            <a:spAutoFit/>
-          </a:bodyPr>
-          <a:lstStyle/>
-          <a:p>
-            <a:pPr algn="ctr"/>
-            <a:r>
-              <a:rPr lang="en-US" altLang="zh-TW" sz="2000" b="1" dirty="0" smtClean="0"/>
-              <a:t>( Chorus 2 )</a:t>
-            </a:r>
-            <a:endParaRPr lang="zh-TW" altLang="en-US" sz="2000" b="1" dirty="0"/>
+                <a:solidFill>
+                  <a:srgbClr val="002060"/>
+                </a:solidFill>
+                <a:latin typeface="微軟正黑體" pitchFamily="34" charset="-120"/>
+                <a:ea typeface="微軟正黑體" pitchFamily="34" charset="-120"/>
+              </a:rPr>
+              <a:t>而</a:t>
+            </a:r>
+            <a:r>
+              <a:rPr lang="zh-TW" altLang="en-US" sz="4400" b="1" dirty="0">
+                <a:solidFill>
+                  <a:srgbClr val="002060"/>
+                </a:solidFill>
+                <a:latin typeface="微軟正黑體" pitchFamily="34" charset="-120"/>
+                <a:ea typeface="微軟正黑體" pitchFamily="34" charset="-120"/>
+              </a:rPr>
+              <a:t>來</a:t>
+            </a:r>
           </a:p>
         </p:txBody>
       </p:sp>
     </p:spTree>
+    <p:extLst>
+      <p:ext uri="{BB962C8B-B14F-4D97-AF65-F5344CB8AC3E}">
+        <p14:creationId xmlns:p14="http://schemas.microsoft.com/office/powerpoint/2010/main" val="1593816819"/>
+      </p:ext>
+    </p:extLst>
   </p:cSld>
   <p:clrMapOvr>
     <a:masterClrMapping/>
@@ -4865,47 +6560,104 @@
           <a:lstStyle/>
           <a:p>
             <a:r>
-              <a:rPr lang="zh-TW" altLang="en-US" sz="4000" b="1" dirty="0" smtClean="0">
-                <a:latin typeface="微軟正黑體" pitchFamily="34" charset="-120"/>
-                <a:ea typeface="微軟正黑體" pitchFamily="34" charset="-120"/>
-              </a:rPr>
-              <a:t>平安</a:t>
-            </a:r>
-            <a:endParaRPr lang="zh-TW" altLang="en-US" sz="4000" b="1" dirty="0">
+              <a:rPr lang="zh-TW" altLang="en-US" sz="3600" b="1" dirty="0">
+                <a:solidFill>
+                  <a:srgbClr val="002060"/>
+                </a:solidFill>
+                <a:latin typeface="微軟正黑體" pitchFamily="34" charset="-120"/>
+                <a:ea typeface="微軟正黑體" pitchFamily="34" charset="-120"/>
+              </a:rPr>
+              <a:t>信心的等待</a:t>
+            </a:r>
+          </a:p>
+        </p:txBody>
+      </p:sp>
+      <p:sp>
+        <p:nvSpPr>
+          <p:cNvPr id="3" name="內容版面配置區 2"/>
+          <p:cNvSpPr>
+            <a:spLocks noGrp="1"/>
+          </p:cNvSpPr>
+          <p:nvPr>
+            <p:ph idx="1"/>
+          </p:nvPr>
+        </p:nvSpPr>
+        <p:spPr/>
+        <p:txBody>
+          <a:bodyPr>
+            <a:noAutofit/>
+          </a:bodyPr>
+          <a:lstStyle/>
+          <a:p>
+            <a:pPr algn="ctr">
+              <a:buNone/>
+            </a:pPr>
+            <a:r>
+              <a:rPr lang="zh-TW" altLang="en-US" sz="4400" b="1" dirty="0">
+                <a:solidFill>
+                  <a:srgbClr val="002060"/>
+                </a:solidFill>
+                <a:latin typeface="微軟正黑體" pitchFamily="34" charset="-120"/>
+                <a:ea typeface="微軟正黑體" pitchFamily="34" charset="-120"/>
+              </a:rPr>
+              <a:t>耶穌捉緊我雙手</a:t>
+            </a:r>
+            <a:endParaRPr lang="en-US" altLang="zh-TW" sz="4400" b="1" dirty="0">
+              <a:solidFill>
+                <a:srgbClr val="002060"/>
+              </a:solidFill>
               <a:latin typeface="微軟正黑體" pitchFamily="34" charset="-120"/>
               <a:ea typeface="微軟正黑體" pitchFamily="34" charset="-120"/>
             </a:endParaRPr>
           </a:p>
-        </p:txBody>
-      </p:sp>
-      <p:sp>
-        <p:nvSpPr>
-          <p:cNvPr id="3" name="內容版面配置區 2"/>
-          <p:cNvSpPr>
-            <a:spLocks noGrp="1"/>
-          </p:cNvSpPr>
-          <p:nvPr>
-            <p:ph idx="1"/>
-          </p:nvPr>
-        </p:nvSpPr>
-        <p:spPr/>
-        <p:txBody>
-          <a:bodyPr>
-            <a:normAutofit/>
-          </a:bodyPr>
-          <a:lstStyle/>
           <a:p>
             <a:pPr algn="ctr">
               <a:buNone/>
             </a:pPr>
             <a:r>
               <a:rPr lang="zh-TW" altLang="en-US" sz="4400" b="1" dirty="0" smtClean="0">
-                <a:latin typeface="微軟正黑體" pitchFamily="34" charset="-120"/>
-                <a:ea typeface="微軟正黑體" pitchFamily="34" charset="-120"/>
-              </a:rPr>
-              <a:t>就算世界刮著狂風暴雨 </a:t>
-            </a:r>
-            <a:endParaRPr lang="en-US" altLang="zh-TW" sz="4400" b="1" dirty="0" smtClean="0">
+                <a:solidFill>
+                  <a:srgbClr val="002060"/>
+                </a:solidFill>
+                <a:latin typeface="微軟正黑體" pitchFamily="34" charset="-120"/>
+                <a:ea typeface="微軟正黑體" pitchFamily="34" charset="-120"/>
+              </a:rPr>
+              <a:t>有</a:t>
+            </a:r>
+            <a:r>
+              <a:rPr lang="zh-CN" altLang="en-US" sz="4400" b="1" dirty="0" smtClean="0">
+                <a:solidFill>
+                  <a:srgbClr val="002060"/>
+                </a:solidFill>
+                <a:latin typeface="微軟正黑體" pitchFamily="34" charset="-120"/>
+                <a:ea typeface="微軟正黑體" pitchFamily="34" charset="-120"/>
+              </a:rPr>
+              <a:t>袮</a:t>
+            </a:r>
+            <a:r>
+              <a:rPr lang="zh-TW" altLang="en-US" sz="4400" b="1" dirty="0" smtClean="0">
+                <a:solidFill>
+                  <a:srgbClr val="002060"/>
+                </a:solidFill>
+                <a:latin typeface="微軟正黑體" pitchFamily="34" charset="-120"/>
+                <a:ea typeface="微軟正黑體" pitchFamily="34" charset="-120"/>
+              </a:rPr>
+              <a:t>的</a:t>
+            </a:r>
+            <a:r>
+              <a:rPr lang="zh-TW" altLang="en-US" sz="4400" b="1" dirty="0">
+                <a:solidFill>
+                  <a:srgbClr val="002060"/>
+                </a:solidFill>
+                <a:latin typeface="微軟正黑體" pitchFamily="34" charset="-120"/>
+                <a:ea typeface="微軟正黑體" pitchFamily="34" charset="-120"/>
+              </a:rPr>
+              <a:t>恩典我便足夠</a:t>
+            </a:r>
+            <a:endParaRPr lang="en-US" altLang="zh-TW" sz="4400" b="1" dirty="0">
+              <a:solidFill>
+                <a:srgbClr val="002060"/>
+              </a:solidFill>
               <a:latin typeface="微軟正黑體" pitchFamily="34" charset="-120"/>
               <a:ea typeface="微軟正黑體" pitchFamily="34" charset="-120"/>
             </a:endParaRPr>
@@ -4915,13 +6667,49 @@
               <a:buNone/>
             </a:pPr>
             <a:r>
+              <a:rPr lang="zh-TW" altLang="en-US" sz="4400" b="1" dirty="0">
+                <a:solidFill>
+                  <a:srgbClr val="002060"/>
+                </a:solidFill>
+                <a:latin typeface="微軟正黑體" pitchFamily="34" charset="-120"/>
+                <a:ea typeface="微軟正黑體" pitchFamily="34" charset="-120"/>
+              </a:rPr>
+              <a:t>讓我可清心</a:t>
+            </a:r>
+            <a:r>
               <a:rPr lang="zh-TW" altLang="en-US" sz="4400" b="1" dirty="0" smtClean="0">
-                <a:latin typeface="微軟正黑體" pitchFamily="34" charset="-120"/>
-                <a:ea typeface="微軟正黑體" pitchFamily="34" charset="-120"/>
-              </a:rPr>
-              <a:t>我心仍是穩妥安舒 </a:t>
-            </a:r>
-            <a:endParaRPr lang="en-US" altLang="zh-TW" sz="4400" b="1" dirty="0" smtClean="0">
+                <a:solidFill>
+                  <a:srgbClr val="002060"/>
+                </a:solidFill>
+                <a:latin typeface="微軟正黑體" pitchFamily="34" charset="-120"/>
+                <a:ea typeface="微軟正黑體" pitchFamily="34" charset="-120"/>
+              </a:rPr>
+              <a:t>見</a:t>
+            </a:r>
+            <a:r>
+              <a:rPr lang="zh-CN" altLang="en-US" sz="4400" b="1" dirty="0" smtClean="0">
+                <a:solidFill>
+                  <a:srgbClr val="002060"/>
+                </a:solidFill>
+                <a:latin typeface="微軟正黑體" pitchFamily="34" charset="-120"/>
+                <a:ea typeface="微軟正黑體" pitchFamily="34" charset="-120"/>
+              </a:rPr>
+              <a:t>袮</a:t>
+            </a:r>
+            <a:r>
+              <a:rPr lang="zh-TW" altLang="en-US" sz="4400" b="1" dirty="0" smtClean="0">
+                <a:solidFill>
+                  <a:srgbClr val="002060"/>
+                </a:solidFill>
+                <a:latin typeface="微軟正黑體" pitchFamily="34" charset="-120"/>
+                <a:ea typeface="微軟正黑體" pitchFamily="34" charset="-120"/>
+              </a:rPr>
+              <a:t>面</a:t>
+            </a:r>
+            <a:endParaRPr lang="en-US" altLang="zh-TW" sz="4400" b="1" dirty="0">
+              <a:solidFill>
+                <a:srgbClr val="002060"/>
+              </a:solidFill>
               <a:latin typeface="微軟正黑體" pitchFamily="34" charset="-120"/>
               <a:ea typeface="微軟正黑體" pitchFamily="34" charset="-120"/>
             </a:endParaRPr>
@@ -4931,67 +6719,24 @@
               <a:buNone/>
             </a:pPr>
             <a:r>
-              <a:rPr lang="zh-TW" altLang="en-US" sz="4400" b="1" dirty="0" smtClean="0">
-                <a:latin typeface="微軟正黑體" pitchFamily="34" charset="-120"/>
-                <a:ea typeface="微軟正黑體" pitchFamily="34" charset="-120"/>
-              </a:rPr>
-              <a:t>無論前路灰暗 憂傷困倦 </a:t>
-            </a:r>
-            <a:endParaRPr lang="en-US" altLang="zh-TW" sz="4400" b="1" dirty="0" smtClean="0">
-              <a:latin typeface="微軟正黑體" pitchFamily="34" charset="-120"/>
-              <a:ea typeface="微軟正黑體" pitchFamily="34" charset="-120"/>
-            </a:endParaRPr>
-          </a:p>
-          <a:p>
-            <a:pPr algn="ctr">
-              <a:buNone/>
-            </a:pPr>
-            <a:r>
-              <a:rPr lang="zh-TW" altLang="en-US" sz="4400" b="1" dirty="0" smtClean="0">
-                <a:latin typeface="微軟正黑體" pitchFamily="34" charset="-120"/>
-                <a:ea typeface="微軟正黑體" pitchFamily="34" charset="-120"/>
-              </a:rPr>
-              <a:t>祢讓我站穩 磐石之處</a:t>
-            </a:r>
-            <a:endParaRPr lang="zh-TW" altLang="en-US" sz="4400" b="1" dirty="0">
-              <a:latin typeface="微軟正黑體" pitchFamily="34" charset="-120"/>
-              <a:ea typeface="微軟正黑體" pitchFamily="34" charset="-120"/>
-            </a:endParaRPr>
-          </a:p>
-        </p:txBody>
-      </p:sp>
-      <p:sp>
-        <p:nvSpPr>
-          <p:cNvPr id="4" name="文字方塊 3"/>
-          <p:cNvSpPr txBox="1"/>
-          <p:nvPr/>
-        </p:nvSpPr>
-        <p:spPr>
-          <a:xfrm>
-            <a:off x="0" y="4500576"/>
-            <a:ext cx="9144000" cy="400110"/>
-          </a:xfrm>
-          <a:prstGeom prst="rect">
-            <a:avLst/>
-          </a:prstGeom>
-          <a:noFill/>
-        </p:spPr>
-        <p:txBody>
-          <a:bodyPr wrap="square" rtlCol="0">
-            <a:spAutoFit/>
-          </a:bodyPr>
-          <a:lstStyle/>
-          <a:p>
-            <a:pPr algn="ctr"/>
-            <a:r>
-              <a:rPr lang="en-US" altLang="zh-TW" sz="2000" b="1" dirty="0" smtClean="0"/>
-              <a:t>( Verse 1 )</a:t>
-            </a:r>
-            <a:endParaRPr lang="zh-TW" altLang="en-US" sz="2000" b="1" dirty="0"/>
+              <a:rPr lang="zh-TW" altLang="en-US" sz="4400" b="1" dirty="0">
+                <a:solidFill>
+                  <a:srgbClr val="002060"/>
+                </a:solidFill>
+                <a:latin typeface="微軟正黑體" pitchFamily="34" charset="-120"/>
+                <a:ea typeface="微軟正黑體" pitchFamily="34" charset="-120"/>
+              </a:rPr>
+              <a:t>使我必得見光</a:t>
+            </a:r>
           </a:p>
         </p:txBody>
       </p:sp>
     </p:spTree>
+    <p:extLst>
+      <p:ext uri="{BB962C8B-B14F-4D97-AF65-F5344CB8AC3E}">
+        <p14:creationId xmlns:p14="http://schemas.microsoft.com/office/powerpoint/2010/main" val="1649609465"/>
+      </p:ext>
+    </p:extLst>
   </p:cSld>
   <p:clrMapOvr>
     <a:masterClrMapping/>
@@ -5034,47 +6779,74 @@
           <a:lstStyle/>
           <a:p>
             <a:r>
-              <a:rPr lang="zh-TW" altLang="en-US" sz="4000" b="1" dirty="0" smtClean="0">
-                <a:latin typeface="微軟正黑體" pitchFamily="34" charset="-120"/>
-                <a:ea typeface="微軟正黑體" pitchFamily="34" charset="-120"/>
-              </a:rPr>
-              <a:t>平安</a:t>
-            </a:r>
-            <a:endParaRPr lang="zh-TW" altLang="en-US" sz="4000" b="1" dirty="0">
+              <a:rPr lang="zh-TW" altLang="en-US" sz="3600" b="1" dirty="0">
+                <a:solidFill>
+                  <a:srgbClr val="002060"/>
+                </a:solidFill>
+                <a:latin typeface="微軟正黑體" pitchFamily="34" charset="-120"/>
+                <a:ea typeface="微軟正黑體" pitchFamily="34" charset="-120"/>
+              </a:rPr>
+              <a:t>信心的等待</a:t>
+            </a:r>
+          </a:p>
+        </p:txBody>
+      </p:sp>
+      <p:sp>
+        <p:nvSpPr>
+          <p:cNvPr id="3" name="內容版面配置區 2"/>
+          <p:cNvSpPr>
+            <a:spLocks noGrp="1"/>
+          </p:cNvSpPr>
+          <p:nvPr>
+            <p:ph idx="1"/>
+          </p:nvPr>
+        </p:nvSpPr>
+        <p:spPr/>
+        <p:txBody>
+          <a:bodyPr>
+            <a:noAutofit/>
+          </a:bodyPr>
+          <a:lstStyle/>
+          <a:p>
+            <a:pPr algn="ctr">
+              <a:buNone/>
+            </a:pPr>
+            <a:r>
+              <a:rPr lang="zh-TW" altLang="en-US" sz="4400" b="1" dirty="0">
+                <a:solidFill>
+                  <a:srgbClr val="002060"/>
+                </a:solidFill>
+                <a:latin typeface="微軟正黑體" pitchFamily="34" charset="-120"/>
+                <a:ea typeface="微軟正黑體" pitchFamily="34" charset="-120"/>
+              </a:rPr>
+              <a:t>耶穌捉緊我雙手</a:t>
+            </a:r>
+            <a:endParaRPr lang="en-US" altLang="zh-TW" sz="4400" b="1" dirty="0">
+              <a:solidFill>
+                <a:srgbClr val="002060"/>
+              </a:solidFill>
               <a:latin typeface="微軟正黑體" pitchFamily="34" charset="-120"/>
               <a:ea typeface="微軟正黑體" pitchFamily="34" charset="-120"/>
             </a:endParaRPr>
           </a:p>
-        </p:txBody>
-      </p:sp>
-      <p:sp>
-        <p:nvSpPr>
-          <p:cNvPr id="3" name="內容版面配置區 2"/>
-          <p:cNvSpPr>
-            <a:spLocks noGrp="1"/>
-          </p:cNvSpPr>
-          <p:nvPr>
-            <p:ph idx="1"/>
-          </p:nvPr>
-        </p:nvSpPr>
-        <p:spPr/>
-        <p:txBody>
-          <a:bodyPr>
-            <a:normAutofit/>
-          </a:bodyPr>
-          <a:lstStyle/>
-          <a:p>
-            <a:pPr algn="ctr">
-              <a:buNone/>
-            </a:pPr>
-            <a:r>
-              <a:rPr lang="zh-TW" altLang="en-US" sz="4400" b="1" dirty="0" smtClean="0">
-                <a:latin typeface="微軟正黑體" pitchFamily="34" charset="-120"/>
-                <a:ea typeface="微軟正黑體" pitchFamily="34" charset="-120"/>
-              </a:rPr>
-              <a:t>就算捆鎖劫難縈繞著我 </a:t>
-            </a:r>
-            <a:endParaRPr lang="en-US" altLang="zh-TW" sz="4400" b="1" dirty="0" smtClean="0">
+          <a:p>
+            <a:pPr algn="ctr">
+              <a:buNone/>
+            </a:pPr>
+            <a:r>
+              <a:rPr lang="zh-TW" altLang="en-US" sz="4400" b="1" dirty="0">
+                <a:solidFill>
+                  <a:srgbClr val="002060"/>
+                </a:solidFill>
+                <a:latin typeface="微軟正黑體" pitchFamily="34" charset="-120"/>
+                <a:ea typeface="微軟正黑體" pitchFamily="34" charset="-120"/>
+              </a:rPr>
+              <a:t>仰望那財寶在天上</a:t>
+            </a:r>
+            <a:endParaRPr lang="en-US" altLang="zh-TW" sz="4400" b="1" dirty="0">
+              <a:solidFill>
+                <a:srgbClr val="002060"/>
+              </a:solidFill>
               <a:latin typeface="微軟正黑體" pitchFamily="34" charset="-120"/>
               <a:ea typeface="微軟正黑體" pitchFamily="34" charset="-120"/>
             </a:endParaRPr>
@@ -5084,13 +6856,19 @@
               <a:buNone/>
             </a:pPr>
             <a:r>
-              <a:rPr lang="zh-TW" altLang="en-US" sz="4400" b="1" dirty="0" smtClean="0">
-                <a:latin typeface="微軟正黑體" pitchFamily="34" charset="-120"/>
-                <a:ea typeface="微軟正黑體" pitchFamily="34" charset="-120"/>
-              </a:rPr>
-              <a:t>我心藏著不死盼望</a:t>
-            </a:r>
-            <a:endParaRPr lang="en-US" altLang="zh-TW" sz="4400" b="1" dirty="0" smtClean="0">
+              <a:rPr lang="zh-TW" altLang="en-US" sz="4400" b="1" dirty="0">
+                <a:solidFill>
+                  <a:srgbClr val="002060"/>
+                </a:solidFill>
+                <a:latin typeface="微軟正黑體" pitchFamily="34" charset="-120"/>
+                <a:ea typeface="微軟正黑體" pitchFamily="34" charset="-120"/>
+              </a:rPr>
+              <a:t>愛慕神的   抱著平安</a:t>
+            </a:r>
+            <a:endParaRPr lang="en-US" altLang="zh-TW" sz="4400" b="1" dirty="0">
+              <a:solidFill>
+                <a:srgbClr val="002060"/>
+              </a:solidFill>
               <a:latin typeface="微軟正黑體" pitchFamily="34" charset="-120"/>
               <a:ea typeface="微軟正黑體" pitchFamily="34" charset="-120"/>
             </a:endParaRPr>
@@ -5101,62 +6879,53 @@
             </a:pPr>
             <a:r>
               <a:rPr lang="zh-TW" altLang="en-US" sz="4400" b="1" dirty="0" smtClean="0">
-                <a:latin typeface="微軟正黑體" pitchFamily="34" charset="-120"/>
-                <a:ea typeface="微軟正黑體" pitchFamily="34" charset="-120"/>
-              </a:rPr>
-              <a:t>耶穌是我牧者 永在我旁</a:t>
-            </a:r>
-            <a:endParaRPr lang="en-US" altLang="zh-TW" sz="4400" b="1" dirty="0" smtClean="0">
-              <a:latin typeface="微軟正黑體" pitchFamily="34" charset="-120"/>
-              <a:ea typeface="微軟正黑體" pitchFamily="34" charset="-120"/>
-            </a:endParaRPr>
-          </a:p>
-          <a:p>
-            <a:pPr algn="ctr">
-              <a:buNone/>
-            </a:pPr>
+                <a:solidFill>
+                  <a:srgbClr val="002060"/>
+                </a:solidFill>
+                <a:latin typeface="微軟正黑體" pitchFamily="34" charset="-120"/>
+                <a:ea typeface="微軟正黑體" pitchFamily="34" charset="-120"/>
+              </a:rPr>
+              <a:t>感謝</a:t>
+            </a:r>
+            <a:r>
+              <a:rPr lang="zh-CN" altLang="en-US" sz="4400" b="1" dirty="0" smtClean="0">
+                <a:solidFill>
+                  <a:srgbClr val="002060"/>
+                </a:solidFill>
+                <a:latin typeface="微軟正黑體" pitchFamily="34" charset="-120"/>
+                <a:ea typeface="微軟正黑體" pitchFamily="34" charset="-120"/>
+              </a:rPr>
+              <a:t>袮</a:t>
+            </a:r>
             <a:r>
               <a:rPr lang="zh-TW" altLang="en-US" sz="4400" b="1" dirty="0" smtClean="0">
-                <a:latin typeface="微軟正黑體" pitchFamily="34" charset="-120"/>
-                <a:ea typeface="微軟正黑體" pitchFamily="34" charset="-120"/>
-              </a:rPr>
-              <a:t>祢杖祢竿都安慰我</a:t>
-            </a:r>
-          </a:p>
-        </p:txBody>
-      </p:sp>
-      <p:sp>
-        <p:nvSpPr>
-          <p:cNvPr id="4" name="文字方塊 3"/>
-          <p:cNvSpPr txBox="1"/>
-          <p:nvPr/>
-        </p:nvSpPr>
-        <p:spPr>
-          <a:xfrm>
-            <a:off x="0" y="4500576"/>
-            <a:ext cx="9144000" cy="400110"/>
-          </a:xfrm>
-          <a:prstGeom prst="rect">
-            <a:avLst/>
-          </a:prstGeom>
-          <a:noFill/>
-        </p:spPr>
-        <p:txBody>
-          <a:bodyPr wrap="square" rtlCol="0">
-            <a:spAutoFit/>
-          </a:bodyPr>
-          <a:lstStyle/>
-          <a:p>
-            <a:pPr algn="ctr"/>
-            <a:r>
-              <a:rPr lang="en-US" altLang="zh-TW" sz="2000" b="1" dirty="0" smtClean="0"/>
-              <a:t>( Verse 2 )</a:t>
-            </a:r>
-            <a:endParaRPr lang="zh-TW" altLang="en-US" sz="2000" b="1" dirty="0"/>
+                <a:solidFill>
+                  <a:srgbClr val="002060"/>
+                </a:solidFill>
+                <a:latin typeface="微軟正黑體" pitchFamily="34" charset="-120"/>
+                <a:ea typeface="微軟正黑體" pitchFamily="34" charset="-120"/>
+              </a:rPr>
+              <a:t>為</a:t>
+            </a:r>
+            <a:r>
+              <a:rPr lang="zh-TW" altLang="en-US" sz="4400" b="1" dirty="0">
+                <a:solidFill>
+                  <a:srgbClr val="002060"/>
+                </a:solidFill>
+                <a:latin typeface="微軟正黑體" pitchFamily="34" charset="-120"/>
+                <a:ea typeface="微軟正黑體" pitchFamily="34" charset="-120"/>
+              </a:rPr>
+              <a:t>我所編寫的一切</a:t>
+            </a:r>
           </a:p>
         </p:txBody>
       </p:sp>
     </p:spTree>
+    <p:extLst>
+      <p:ext uri="{BB962C8B-B14F-4D97-AF65-F5344CB8AC3E}">
+        <p14:creationId xmlns:p14="http://schemas.microsoft.com/office/powerpoint/2010/main" val="4081570415"/>
+      </p:ext>
+    </p:extLst>
   </p:cSld>
   <p:clrMapOvr>
     <a:masterClrMapping/>
@@ -5199,47 +6968,124 @@
           <a:lstStyle/>
           <a:p>
             <a:r>
-              <a:rPr lang="zh-TW" altLang="en-US" sz="4000" b="1" dirty="0" smtClean="0">
-                <a:latin typeface="微軟正黑體" pitchFamily="34" charset="-120"/>
-                <a:ea typeface="微軟正黑體" pitchFamily="34" charset="-120"/>
-              </a:rPr>
-              <a:t>平安</a:t>
-            </a:r>
-            <a:endParaRPr lang="zh-TW" altLang="en-US" sz="4000" b="1" dirty="0">
+              <a:rPr lang="zh-TW" altLang="en-US" sz="3600" b="1" dirty="0">
+                <a:solidFill>
+                  <a:srgbClr val="002060"/>
+                </a:solidFill>
+                <a:latin typeface="微軟正黑體" pitchFamily="34" charset="-120"/>
+                <a:ea typeface="微軟正黑體" pitchFamily="34" charset="-120"/>
+              </a:rPr>
+              <a:t>信心的等待</a:t>
+            </a:r>
+          </a:p>
+        </p:txBody>
+      </p:sp>
+      <p:sp>
+        <p:nvSpPr>
+          <p:cNvPr id="3" name="內容版面配置區 2"/>
+          <p:cNvSpPr>
+            <a:spLocks noGrp="1"/>
+          </p:cNvSpPr>
+          <p:nvPr>
+            <p:ph idx="1"/>
+          </p:nvPr>
+        </p:nvSpPr>
+        <p:spPr/>
+        <p:txBody>
+          <a:bodyPr>
+            <a:noAutofit/>
+          </a:bodyPr>
+          <a:lstStyle/>
+          <a:p>
+            <a:pPr algn="ctr">
+              <a:buNone/>
+            </a:pPr>
+            <a:r>
+              <a:rPr lang="zh-TW" altLang="en-US" sz="4400" b="1" dirty="0" smtClean="0">
+                <a:solidFill>
+                  <a:srgbClr val="002060"/>
+                </a:solidFill>
+                <a:latin typeface="微軟正黑體" pitchFamily="34" charset="-120"/>
+                <a:ea typeface="微軟正黑體" pitchFamily="34" charset="-120"/>
+              </a:rPr>
+              <a:t>在</a:t>
+            </a:r>
+            <a:r>
+              <a:rPr lang="zh-TW" altLang="en-US" sz="4400" b="1" dirty="0">
+                <a:solidFill>
+                  <a:srgbClr val="002060"/>
+                </a:solidFill>
+                <a:latin typeface="微軟正黑體" pitchFamily="34" charset="-120"/>
+                <a:ea typeface="微軟正黑體" pitchFamily="34" charset="-120"/>
+              </a:rPr>
+              <a:t>這幽谷之中我宣告</a:t>
+            </a:r>
+            <a:endParaRPr lang="en-US" altLang="zh-TW" sz="4400" b="1" dirty="0">
+              <a:solidFill>
+                <a:srgbClr val="002060"/>
+              </a:solidFill>
               <a:latin typeface="微軟正黑體" pitchFamily="34" charset="-120"/>
               <a:ea typeface="微軟正黑體" pitchFamily="34" charset="-120"/>
             </a:endParaRPr>
           </a:p>
-        </p:txBody>
-      </p:sp>
-      <p:sp>
-        <p:nvSpPr>
-          <p:cNvPr id="3" name="內容版面配置區 2"/>
-          <p:cNvSpPr>
-            <a:spLocks noGrp="1"/>
-          </p:cNvSpPr>
-          <p:nvPr>
-            <p:ph idx="1"/>
-          </p:nvPr>
-        </p:nvSpPr>
-        <p:spPr/>
-        <p:txBody>
-          <a:bodyPr>
-            <a:normAutofit/>
-          </a:bodyPr>
-          <a:lstStyle/>
-          <a:p>
-            <a:pPr algn="ctr">
-              <a:buNone/>
-            </a:pPr>
+          <a:p>
+            <a:pPr algn="ctr">
+              <a:buNone/>
+            </a:pPr>
+            <a:r>
+              <a:rPr lang="zh-TW" altLang="en-US" sz="4400" b="1" dirty="0">
+                <a:solidFill>
+                  <a:srgbClr val="002060"/>
+                </a:solidFill>
+                <a:latin typeface="微軟正黑體" pitchFamily="34" charset="-120"/>
+                <a:ea typeface="微軟正黑體" pitchFamily="34" charset="-120"/>
+              </a:rPr>
+              <a:t>不必怕因</a:t>
+            </a:r>
             <a:r>
               <a:rPr lang="zh-TW" altLang="en-US" sz="4400" b="1" dirty="0" smtClean="0">
-                <a:latin typeface="微軟正黑體" pitchFamily="34" charset="-120"/>
-                <a:ea typeface="微軟正黑體" pitchFamily="34" charset="-120"/>
-              </a:rPr>
-              <a:t>主  祢賜下平安</a:t>
-            </a:r>
-            <a:endParaRPr lang="en-US" altLang="zh-TW" sz="4400" b="1" dirty="0" smtClean="0">
+                <a:solidFill>
+                  <a:srgbClr val="002060"/>
+                </a:solidFill>
+                <a:latin typeface="微軟正黑體" pitchFamily="34" charset="-120"/>
+                <a:ea typeface="微軟正黑體" pitchFamily="34" charset="-120"/>
+              </a:rPr>
+              <a:t>有</a:t>
+            </a:r>
+            <a:r>
+              <a:rPr lang="zh-CN" altLang="en-US" sz="4400" b="1" dirty="0" smtClean="0">
+                <a:solidFill>
+                  <a:srgbClr val="002060"/>
+                </a:solidFill>
+                <a:latin typeface="微軟正黑體" pitchFamily="34" charset="-120"/>
+                <a:ea typeface="微軟正黑體" pitchFamily="34" charset="-120"/>
+              </a:rPr>
+              <a:t>袮</a:t>
+            </a:r>
+            <a:r>
+              <a:rPr lang="zh-TW" altLang="en-US" sz="4400" b="1" dirty="0" smtClean="0">
+                <a:solidFill>
+                  <a:srgbClr val="002060"/>
+                </a:solidFill>
+                <a:latin typeface="微軟正黑體" pitchFamily="34" charset="-120"/>
+                <a:ea typeface="微軟正黑體" pitchFamily="34" charset="-120"/>
+              </a:rPr>
+              <a:t>同</a:t>
+            </a:r>
+            <a:r>
+              <a:rPr lang="zh-TW" altLang="en-US" sz="4400" b="1" dirty="0">
+                <a:solidFill>
+                  <a:srgbClr val="002060"/>
+                </a:solidFill>
+                <a:latin typeface="微軟正黑體" pitchFamily="34" charset="-120"/>
+                <a:ea typeface="微軟正黑體" pitchFamily="34" charset="-120"/>
+              </a:rPr>
+              <a:t>在</a:t>
+            </a:r>
+            <a:endParaRPr lang="en-US" altLang="zh-TW" sz="4400" b="1" dirty="0">
+              <a:solidFill>
+                <a:srgbClr val="002060"/>
+              </a:solidFill>
               <a:latin typeface="微軟正黑體" pitchFamily="34" charset="-120"/>
               <a:ea typeface="微軟正黑體" pitchFamily="34" charset="-120"/>
             </a:endParaRPr>
@@ -5249,13 +7095,19 @@
               <a:buNone/>
             </a:pPr>
             <a:r>
-              <a:rPr lang="zh-TW" altLang="en-US" sz="4400" b="1" dirty="0" smtClean="0">
-                <a:latin typeface="微軟正黑體" pitchFamily="34" charset="-120"/>
-                <a:ea typeface="微軟正黑體" pitchFamily="34" charset="-120"/>
-              </a:rPr>
-              <a:t>不像世人所賜</a:t>
-            </a:r>
-            <a:endParaRPr lang="en-US" altLang="zh-TW" sz="4400" b="1" dirty="0" smtClean="0">
+              <a:rPr lang="zh-TW" altLang="en-US" sz="4400" b="1" dirty="0">
+                <a:solidFill>
+                  <a:srgbClr val="002060"/>
+                </a:solidFill>
+                <a:latin typeface="微軟正黑體" pitchFamily="34" charset="-120"/>
+                <a:ea typeface="微軟正黑體" pitchFamily="34" charset="-120"/>
+              </a:rPr>
+              <a:t>別人笑我為甚麼等待</a:t>
+            </a:r>
+            <a:endParaRPr lang="en-US" altLang="zh-TW" sz="4400" b="1" dirty="0">
+              <a:solidFill>
+                <a:srgbClr val="002060"/>
+              </a:solidFill>
               <a:latin typeface="微軟正黑體" pitchFamily="34" charset="-120"/>
               <a:ea typeface="微軟正黑體" pitchFamily="34" charset="-120"/>
             </a:endParaRPr>
@@ -5265,63 +7117,64 @@
               <a:buNone/>
             </a:pPr>
             <a:r>
+              <a:rPr lang="zh-TW" altLang="en-US" sz="4400" b="1" dirty="0">
+                <a:solidFill>
+                  <a:srgbClr val="002060"/>
+                </a:solidFill>
+                <a:latin typeface="微軟正黑體" pitchFamily="34" charset="-120"/>
+                <a:ea typeface="微軟正黑體" pitchFamily="34" charset="-120"/>
+              </a:rPr>
+              <a:t>因我知道盼望</a:t>
+            </a:r>
+            <a:r>
               <a:rPr lang="zh-TW" altLang="en-US" sz="4400" b="1" dirty="0" smtClean="0">
-                <a:latin typeface="微軟正黑體" pitchFamily="34" charset="-120"/>
-                <a:ea typeface="微軟正黑體" pitchFamily="34" charset="-120"/>
-              </a:rPr>
-              <a:t>我的心 不必再憂愁</a:t>
-            </a:r>
-            <a:endParaRPr lang="en-US" altLang="zh-TW" sz="4400" b="1" dirty="0" smtClean="0">
-              <a:latin typeface="微軟正黑體" pitchFamily="34" charset="-120"/>
-              <a:ea typeface="微軟正黑體" pitchFamily="34" charset="-120"/>
-            </a:endParaRPr>
-          </a:p>
-          <a:p>
-            <a:pPr algn="ctr">
-              <a:buNone/>
-            </a:pPr>
+                <a:solidFill>
+                  <a:srgbClr val="002060"/>
+                </a:solidFill>
+                <a:latin typeface="微軟正黑體" pitchFamily="34" charset="-120"/>
+                <a:ea typeface="微軟正黑體" pitchFamily="34" charset="-120"/>
+              </a:rPr>
+              <a:t>因</a:t>
+            </a:r>
+            <a:r>
+              <a:rPr lang="zh-CN" altLang="en-US" sz="4400" b="1" dirty="0" smtClean="0">
+                <a:solidFill>
+                  <a:srgbClr val="002060"/>
+                </a:solidFill>
+                <a:latin typeface="微軟正黑體" pitchFamily="34" charset="-120"/>
+                <a:ea typeface="微軟正黑體" pitchFamily="34" charset="-120"/>
+              </a:rPr>
+              <a:t>袮</a:t>
+            </a:r>
             <a:r>
               <a:rPr lang="zh-TW" altLang="en-US" sz="4400" b="1" dirty="0" smtClean="0">
-                <a:latin typeface="微軟正黑體" pitchFamily="34" charset="-120"/>
-                <a:ea typeface="微軟正黑體" pitchFamily="34" charset="-120"/>
-              </a:rPr>
-              <a:t>也不用膽怯 </a:t>
-            </a:r>
-          </a:p>
-        </p:txBody>
-      </p:sp>
-      <p:sp>
-        <p:nvSpPr>
-          <p:cNvPr id="4" name="文字方塊 3"/>
-          <p:cNvSpPr txBox="1"/>
-          <p:nvPr/>
-        </p:nvSpPr>
-        <p:spPr>
-          <a:xfrm>
-            <a:off x="0" y="4500576"/>
-            <a:ext cx="9144000" cy="400110"/>
-          </a:xfrm>
-          <a:prstGeom prst="rect">
-            <a:avLst/>
-          </a:prstGeom>
-          <a:noFill/>
-        </p:spPr>
-        <p:txBody>
-          <a:bodyPr wrap="square" rtlCol="0">
-            <a:spAutoFit/>
-          </a:bodyPr>
-          <a:lstStyle/>
-          <a:p>
-            <a:pPr algn="ctr"/>
-            <a:r>
-              <a:rPr lang="en-US" altLang="zh-TW" sz="2000" b="1" dirty="0" smtClean="0"/>
-              <a:t>( Chorus 1 )</a:t>
-            </a:r>
-            <a:endParaRPr lang="zh-TW" altLang="en-US" sz="2000" b="1" dirty="0"/>
+                <a:solidFill>
+                  <a:srgbClr val="002060"/>
+                </a:solidFill>
+                <a:latin typeface="微軟正黑體" pitchFamily="34" charset="-120"/>
+                <a:ea typeface="微軟正黑體" pitchFamily="34" charset="-120"/>
+              </a:rPr>
+              <a:t>而</a:t>
+            </a:r>
+            <a:r>
+              <a:rPr lang="zh-TW" altLang="en-US" sz="4400" b="1" dirty="0">
+                <a:solidFill>
+                  <a:srgbClr val="002060"/>
+                </a:solidFill>
+                <a:latin typeface="微軟正黑體" pitchFamily="34" charset="-120"/>
+                <a:ea typeface="微軟正黑體" pitchFamily="34" charset="-120"/>
+              </a:rPr>
+              <a:t>來</a:t>
+            </a:r>
           </a:p>
         </p:txBody>
       </p:sp>
     </p:spTree>
+    <p:extLst>
+      <p:ext uri="{BB962C8B-B14F-4D97-AF65-F5344CB8AC3E}">
+        <p14:creationId xmlns:p14="http://schemas.microsoft.com/office/powerpoint/2010/main" val="1830271302"/>
+      </p:ext>
+    </p:extLst>
   </p:cSld>
   <p:clrMapOvr>
     <a:masterClrMapping/>
